--- a/Presentatie/2. Dev Fase 1/Presentatie DevFase1 Ruben.pptx
+++ b/Presentatie/2. Dev Fase 1/Presentatie DevFase1 Ruben.pptx
@@ -11,12 +11,14 @@
     <p:sldId id="286" r:id="rId5"/>
     <p:sldId id="287" r:id="rId6"/>
     <p:sldId id="288" r:id="rId7"/>
-    <p:sldId id="289" r:id="rId8"/>
-    <p:sldId id="290" r:id="rId9"/>
-    <p:sldId id="291" r:id="rId10"/>
-    <p:sldId id="292" r:id="rId11"/>
-    <p:sldId id="293" r:id="rId12"/>
-    <p:sldId id="285" r:id="rId13"/>
+    <p:sldId id="294" r:id="rId8"/>
+    <p:sldId id="295" r:id="rId9"/>
+    <p:sldId id="289" r:id="rId10"/>
+    <p:sldId id="290" r:id="rId11"/>
+    <p:sldId id="291" r:id="rId12"/>
+    <p:sldId id="292" r:id="rId13"/>
+    <p:sldId id="293" r:id="rId14"/>
+    <p:sldId id="285" r:id="rId15"/>
   </p:sldIdLst>
   <p:sldSz cx="12192000" cy="6858000"/>
   <p:notesSz cx="6858000" cy="9144000"/>
@@ -117,7 +119,7 @@
   </p:defaultTextStyle>
   <p:extLst>
     <p:ext uri="{EFAFB233-063F-42B5-8137-9DF3F51BA10A}">
-      <p15:sldGuideLst xmlns:p15="http://schemas.microsoft.com/office/powerpoint/2012/main"/>
+      <p15:sldGuideLst xmlns:p15="http://schemas.microsoft.com/office/powerpoint/2012/main" xmlns=""/>
     </p:ext>
   </p:extLst>
 </p:presentation>
@@ -352,7 +354,7 @@
           <a:p>
             <a:fld id="{1087F47F-40DD-451D-B02B-62F7F35B7CBC}" type="datetimeFigureOut">
               <a:rPr lang="nl-NL" smtClean="0"/>
-              <a:t>21-4-2016</a:t>
+              <a:t>25-4-2016</a:t>
             </a:fld>
             <a:endParaRPr lang="nl-NL"/>
           </a:p>
@@ -404,7 +406,7 @@
           <a:p>
             <a:fld id="{B8BC31F4-6777-4ED6-A1EB-ACA7F646B021}" type="slidenum">
               <a:rPr lang="nl-NL" smtClean="0"/>
-              <a:t>‹nr.›</a:t>
+              <a:t>‹#›</a:t>
             </a:fld>
             <a:endParaRPr lang="nl-NL"/>
           </a:p>
@@ -686,7 +688,7 @@
           <a:p>
             <a:fld id="{1087F47F-40DD-451D-B02B-62F7F35B7CBC}" type="datetimeFigureOut">
               <a:rPr lang="nl-NL" smtClean="0"/>
-              <a:t>21-4-2016</a:t>
+              <a:t>25-4-2016</a:t>
             </a:fld>
             <a:endParaRPr lang="nl-NL"/>
           </a:p>
@@ -728,7 +730,7 @@
           <a:p>
             <a:fld id="{B8BC31F4-6777-4ED6-A1EB-ACA7F646B021}" type="slidenum">
               <a:rPr lang="nl-NL" smtClean="0"/>
-              <a:t>‹nr.›</a:t>
+              <a:t>‹#›</a:t>
             </a:fld>
             <a:endParaRPr lang="nl-NL"/>
           </a:p>
@@ -964,7 +966,7 @@
           <a:p>
             <a:fld id="{1087F47F-40DD-451D-B02B-62F7F35B7CBC}" type="datetimeFigureOut">
               <a:rPr lang="nl-NL" smtClean="0"/>
-              <a:t>21-4-2016</a:t>
+              <a:t>25-4-2016</a:t>
             </a:fld>
             <a:endParaRPr lang="nl-NL"/>
           </a:p>
@@ -1006,7 +1008,7 @@
           <a:p>
             <a:fld id="{B8BC31F4-6777-4ED6-A1EB-ACA7F646B021}" type="slidenum">
               <a:rPr lang="nl-NL" smtClean="0"/>
-              <a:t>‹nr.›</a:t>
+              <a:t>‹#›</a:t>
             </a:fld>
             <a:endParaRPr lang="nl-NL"/>
           </a:p>
@@ -1532,7 +1534,7 @@
           <a:p>
             <a:fld id="{1087F47F-40DD-451D-B02B-62F7F35B7CBC}" type="datetimeFigureOut">
               <a:rPr lang="nl-NL" smtClean="0"/>
-              <a:t>21-4-2016</a:t>
+              <a:t>25-4-2016</a:t>
             </a:fld>
             <a:endParaRPr lang="nl-NL"/>
           </a:p>
@@ -1574,7 +1576,7 @@
           <a:p>
             <a:fld id="{B8BC31F4-6777-4ED6-A1EB-ACA7F646B021}" type="slidenum">
               <a:rPr lang="nl-NL" smtClean="0"/>
-              <a:t>‹nr.›</a:t>
+              <a:t>‹#›</a:t>
             </a:fld>
             <a:endParaRPr lang="nl-NL"/>
           </a:p>
@@ -1810,7 +1812,7 @@
           <a:p>
             <a:fld id="{1087F47F-40DD-451D-B02B-62F7F35B7CBC}" type="datetimeFigureOut">
               <a:rPr lang="nl-NL" smtClean="0"/>
-              <a:t>21-4-2016</a:t>
+              <a:t>25-4-2016</a:t>
             </a:fld>
             <a:endParaRPr lang="nl-NL"/>
           </a:p>
@@ -1852,7 +1854,7 @@
           <a:p>
             <a:fld id="{B8BC31F4-6777-4ED6-A1EB-ACA7F646B021}" type="slidenum">
               <a:rPr lang="nl-NL" smtClean="0"/>
-              <a:t>‹nr.›</a:t>
+              <a:t>‹#›</a:t>
             </a:fld>
             <a:endParaRPr lang="nl-NL"/>
           </a:p>
@@ -2372,7 +2374,7 @@
           <a:p>
             <a:fld id="{1087F47F-40DD-451D-B02B-62F7F35B7CBC}" type="datetimeFigureOut">
               <a:rPr lang="nl-NL" smtClean="0"/>
-              <a:t>21-4-2016</a:t>
+              <a:t>25-4-2016</a:t>
             </a:fld>
             <a:endParaRPr lang="nl-NL"/>
           </a:p>
@@ -2414,7 +2416,7 @@
           <a:p>
             <a:fld id="{B8BC31F4-6777-4ED6-A1EB-ACA7F646B021}" type="slidenum">
               <a:rPr lang="nl-NL" smtClean="0"/>
-              <a:t>‹nr.›</a:t>
+              <a:t>‹#›</a:t>
             </a:fld>
             <a:endParaRPr lang="nl-NL"/>
           </a:p>
@@ -2699,7 +2701,7 @@
           <a:p>
             <a:fld id="{1087F47F-40DD-451D-B02B-62F7F35B7CBC}" type="datetimeFigureOut">
               <a:rPr lang="nl-NL" smtClean="0"/>
-              <a:t>21-4-2016</a:t>
+              <a:t>25-4-2016</a:t>
             </a:fld>
             <a:endParaRPr lang="nl-NL"/>
           </a:p>
@@ -2741,7 +2743,7 @@
           <a:p>
             <a:fld id="{B8BC31F4-6777-4ED6-A1EB-ACA7F646B021}" type="slidenum">
               <a:rPr lang="nl-NL" smtClean="0"/>
-              <a:t>‹nr.›</a:t>
+              <a:t>‹#›</a:t>
             </a:fld>
             <a:endParaRPr lang="nl-NL"/>
           </a:p>
@@ -2876,7 +2878,7 @@
           <a:p>
             <a:fld id="{1087F47F-40DD-451D-B02B-62F7F35B7CBC}" type="datetimeFigureOut">
               <a:rPr lang="nl-NL" smtClean="0"/>
-              <a:t>21-4-2016</a:t>
+              <a:t>25-4-2016</a:t>
             </a:fld>
             <a:endParaRPr lang="nl-NL"/>
           </a:p>
@@ -2918,7 +2920,7 @@
           <a:p>
             <a:fld id="{B8BC31F4-6777-4ED6-A1EB-ACA7F646B021}" type="slidenum">
               <a:rPr lang="nl-NL" smtClean="0"/>
-              <a:t>‹nr.›</a:t>
+              <a:t>‹#›</a:t>
             </a:fld>
             <a:endParaRPr lang="nl-NL"/>
           </a:p>
@@ -3114,7 +3116,7 @@
           <a:p>
             <a:fld id="{1087F47F-40DD-451D-B02B-62F7F35B7CBC}" type="datetimeFigureOut">
               <a:rPr lang="nl-NL" smtClean="0"/>
-              <a:t>21-4-2016</a:t>
+              <a:t>25-4-2016</a:t>
             </a:fld>
             <a:endParaRPr lang="nl-NL"/>
           </a:p>
@@ -3156,7 +3158,7 @@
           <a:p>
             <a:fld id="{B8BC31F4-6777-4ED6-A1EB-ACA7F646B021}" type="slidenum">
               <a:rPr lang="nl-NL" smtClean="0"/>
-              <a:t>‹nr.›</a:t>
+              <a:t>‹#›</a:t>
             </a:fld>
             <a:endParaRPr lang="nl-NL"/>
           </a:p>
@@ -3314,7 +3316,7 @@
           <a:p>
             <a:fld id="{1087F47F-40DD-451D-B02B-62F7F35B7CBC}" type="datetimeFigureOut">
               <a:rPr lang="nl-NL" smtClean="0"/>
-              <a:t>21-4-2016</a:t>
+              <a:t>25-4-2016</a:t>
             </a:fld>
             <a:endParaRPr lang="nl-NL"/>
           </a:p>
@@ -3356,7 +3358,7 @@
           <a:p>
             <a:fld id="{B8BC31F4-6777-4ED6-A1EB-ACA7F646B021}" type="slidenum">
               <a:rPr lang="nl-NL" smtClean="0"/>
-              <a:t>‹nr.›</a:t>
+              <a:t>‹#›</a:t>
             </a:fld>
             <a:endParaRPr lang="nl-NL"/>
           </a:p>
@@ -3590,7 +3592,7 @@
           <a:p>
             <a:fld id="{1087F47F-40DD-451D-B02B-62F7F35B7CBC}" type="datetimeFigureOut">
               <a:rPr lang="nl-NL" smtClean="0"/>
-              <a:t>21-4-2016</a:t>
+              <a:t>25-4-2016</a:t>
             </a:fld>
             <a:endParaRPr lang="nl-NL"/>
           </a:p>
@@ -3632,7 +3634,7 @@
           <a:p>
             <a:fld id="{B8BC31F4-6777-4ED6-A1EB-ACA7F646B021}" type="slidenum">
               <a:rPr lang="nl-NL" smtClean="0"/>
-              <a:t>‹nr.›</a:t>
+              <a:t>‹#›</a:t>
             </a:fld>
             <a:endParaRPr lang="nl-NL"/>
           </a:p>
@@ -3856,7 +3858,7 @@
           <a:p>
             <a:fld id="{1087F47F-40DD-451D-B02B-62F7F35B7CBC}" type="datetimeFigureOut">
               <a:rPr lang="nl-NL" smtClean="0"/>
-              <a:t>21-4-2016</a:t>
+              <a:t>25-4-2016</a:t>
             </a:fld>
             <a:endParaRPr lang="nl-NL"/>
           </a:p>
@@ -3898,7 +3900,7 @@
           <a:p>
             <a:fld id="{B8BC31F4-6777-4ED6-A1EB-ACA7F646B021}" type="slidenum">
               <a:rPr lang="nl-NL" smtClean="0"/>
-              <a:t>‹nr.›</a:t>
+              <a:t>‹#›</a:t>
             </a:fld>
             <a:endParaRPr lang="nl-NL"/>
           </a:p>
@@ -4230,7 +4232,7 @@
           <a:p>
             <a:fld id="{1087F47F-40DD-451D-B02B-62F7F35B7CBC}" type="datetimeFigureOut">
               <a:rPr lang="nl-NL" smtClean="0"/>
-              <a:t>21-4-2016</a:t>
+              <a:t>25-4-2016</a:t>
             </a:fld>
             <a:endParaRPr lang="nl-NL"/>
           </a:p>
@@ -4272,7 +4274,7 @@
           <a:p>
             <a:fld id="{B8BC31F4-6777-4ED6-A1EB-ACA7F646B021}" type="slidenum">
               <a:rPr lang="nl-NL" smtClean="0"/>
-              <a:t>‹nr.›</a:t>
+              <a:t>‹#›</a:t>
             </a:fld>
             <a:endParaRPr lang="nl-NL"/>
           </a:p>
@@ -4378,7 +4380,7 @@
           <a:p>
             <a:fld id="{1087F47F-40DD-451D-B02B-62F7F35B7CBC}" type="datetimeFigureOut">
               <a:rPr lang="nl-NL" smtClean="0"/>
-              <a:t>21-4-2016</a:t>
+              <a:t>25-4-2016</a:t>
             </a:fld>
             <a:endParaRPr lang="nl-NL"/>
           </a:p>
@@ -4420,7 +4422,7 @@
           <a:p>
             <a:fld id="{B8BC31F4-6777-4ED6-A1EB-ACA7F646B021}" type="slidenum">
               <a:rPr lang="nl-NL" smtClean="0"/>
-              <a:t>‹nr.›</a:t>
+              <a:t>‹#›</a:t>
             </a:fld>
             <a:endParaRPr lang="nl-NL"/>
           </a:p>
@@ -4503,7 +4505,7 @@
           <a:p>
             <a:fld id="{1087F47F-40DD-451D-B02B-62F7F35B7CBC}" type="datetimeFigureOut">
               <a:rPr lang="nl-NL" smtClean="0"/>
-              <a:t>21-4-2016</a:t>
+              <a:t>25-4-2016</a:t>
             </a:fld>
             <a:endParaRPr lang="nl-NL"/>
           </a:p>
@@ -4545,7 +4547,7 @@
           <a:p>
             <a:fld id="{B8BC31F4-6777-4ED6-A1EB-ACA7F646B021}" type="slidenum">
               <a:rPr lang="nl-NL" smtClean="0"/>
-              <a:t>‹nr.›</a:t>
+              <a:t>‹#›</a:t>
             </a:fld>
             <a:endParaRPr lang="nl-NL"/>
           </a:p>
@@ -4788,7 +4790,7 @@
           <a:p>
             <a:fld id="{1087F47F-40DD-451D-B02B-62F7F35B7CBC}" type="datetimeFigureOut">
               <a:rPr lang="nl-NL" smtClean="0"/>
-              <a:t>21-4-2016</a:t>
+              <a:t>25-4-2016</a:t>
             </a:fld>
             <a:endParaRPr lang="nl-NL"/>
           </a:p>
@@ -4830,7 +4832,7 @@
           <a:p>
             <a:fld id="{B8BC31F4-6777-4ED6-A1EB-ACA7F646B021}" type="slidenum">
               <a:rPr lang="nl-NL" smtClean="0"/>
-              <a:t>‹nr.›</a:t>
+              <a:t>‹#›</a:t>
             </a:fld>
             <a:endParaRPr lang="nl-NL"/>
           </a:p>
@@ -5112,7 +5114,7 @@
           <a:p>
             <a:fld id="{1087F47F-40DD-451D-B02B-62F7F35B7CBC}" type="datetimeFigureOut">
               <a:rPr lang="nl-NL" smtClean="0"/>
-              <a:t>21-4-2016</a:t>
+              <a:t>25-4-2016</a:t>
             </a:fld>
             <a:endParaRPr lang="nl-NL"/>
           </a:p>
@@ -5154,7 +5156,7 @@
           <a:p>
             <a:fld id="{B8BC31F4-6777-4ED6-A1EB-ACA7F646B021}" type="slidenum">
               <a:rPr lang="nl-NL" smtClean="0"/>
-              <a:t>‹nr.›</a:t>
+              <a:t>‹#›</a:t>
             </a:fld>
             <a:endParaRPr lang="nl-NL"/>
           </a:p>
@@ -5326,7 +5328,7 @@
           <a:p>
             <a:fld id="{1087F47F-40DD-451D-B02B-62F7F35B7CBC}" type="datetimeFigureOut">
               <a:rPr lang="nl-NL" smtClean="0"/>
-              <a:t>21-4-2016</a:t>
+              <a:t>25-4-2016</a:t>
             </a:fld>
             <a:endParaRPr lang="nl-NL"/>
           </a:p>
@@ -5404,7 +5406,7 @@
           <a:p>
             <a:fld id="{B8BC31F4-6777-4ED6-A1EB-ACA7F646B021}" type="slidenum">
               <a:rPr lang="nl-NL" smtClean="0"/>
-              <a:t>‹nr.›</a:t>
+              <a:t>‹#›</a:t>
             </a:fld>
             <a:endParaRPr lang="nl-NL"/>
           </a:p>
@@ -6044,7 +6046,19 @@
               <a:rPr lang="nl-NL" sz="6600" dirty="0" smtClean="0">
                 <a:latin typeface="Eras Light ITC" panose="020B0402030504020804" pitchFamily="34" charset="0"/>
               </a:rPr>
-              <a:t>QA(Mack)</a:t>
+              <a:t>Planning(</a:t>
+            </a:r>
+            <a:r>
+              <a:rPr lang="nl-NL" sz="6600" dirty="0" err="1" smtClean="0">
+                <a:latin typeface="Eras Light ITC" panose="020B0402030504020804" pitchFamily="34" charset="0"/>
+              </a:rPr>
+              <a:t>fahra</a:t>
+            </a:r>
+            <a:r>
+              <a:rPr lang="nl-NL" sz="6600" dirty="0" smtClean="0">
+                <a:latin typeface="Eras Light ITC" panose="020B0402030504020804" pitchFamily="34" charset="0"/>
+              </a:rPr>
+              <a:t>)</a:t>
             </a:r>
             <a:endParaRPr lang="nl-NL" sz="6600" dirty="0">
               <a:latin typeface="Eras Light ITC" panose="020B0402030504020804" pitchFamily="34" charset="0"/>
@@ -6075,78 +6089,355 @@
           <a:lstStyle/>
           <a:p>
             <a:r>
+              <a:rPr lang="en-US" sz="2000" dirty="0" smtClean="0">
+                <a:latin typeface="Eras Light ITC" panose="020B0402030504020804" pitchFamily="34" charset="0"/>
+              </a:rPr>
+              <a:t>Backlog </a:t>
+            </a:r>
+            <a:r>
               <a:rPr lang="en-US" sz="2000" dirty="0" err="1" smtClean="0">
                 <a:latin typeface="Eras Light ITC" panose="020B0402030504020804" pitchFamily="34" charset="0"/>
               </a:rPr>
+              <a:t>laten</a:t>
+            </a:r>
+            <a:r>
+              <a:rPr lang="en-US" sz="2000" dirty="0" smtClean="0">
+                <a:latin typeface="Eras Light ITC" panose="020B0402030504020804" pitchFamily="34" charset="0"/>
+              </a:rPr>
+              <a:t> </a:t>
+            </a:r>
+            <a:r>
+              <a:rPr lang="en-US" sz="2000" dirty="0" err="1" smtClean="0">
+                <a:latin typeface="Eras Light ITC" panose="020B0402030504020804" pitchFamily="34" charset="0"/>
+              </a:rPr>
+              <a:t>zien</a:t>
+            </a:r>
+            <a:r>
+              <a:rPr lang="en-US" sz="2000" dirty="0" smtClean="0">
+                <a:latin typeface="Eras Light ITC" panose="020B0402030504020804" pitchFamily="34" charset="0"/>
+              </a:rPr>
+              <a:t> met </a:t>
+            </a:r>
+            <a:r>
+              <a:rPr lang="en-US" sz="2000" dirty="0" err="1" smtClean="0">
+                <a:latin typeface="Eras Light ITC" panose="020B0402030504020804" pitchFamily="34" charset="0"/>
+              </a:rPr>
+              <a:t>actuele</a:t>
+            </a:r>
+            <a:r>
+              <a:rPr lang="en-US" sz="2000" dirty="0" smtClean="0">
+                <a:latin typeface="Eras Light ITC" panose="020B0402030504020804" pitchFamily="34" charset="0"/>
+              </a:rPr>
+              <a:t> </a:t>
+            </a:r>
+            <a:r>
+              <a:rPr lang="en-US" sz="2000" dirty="0" err="1" smtClean="0">
+                <a:latin typeface="Eras Light ITC" panose="020B0402030504020804" pitchFamily="34" charset="0"/>
+              </a:rPr>
+              <a:t>statussen</a:t>
+            </a:r>
+            <a:endParaRPr lang="en-US" sz="2000" dirty="0" smtClean="0">
+              <a:latin typeface="Eras Light ITC" panose="020B0402030504020804" pitchFamily="34" charset="0"/>
+            </a:endParaRPr>
+          </a:p>
+          <a:p>
+            <a:r>
+              <a:rPr lang="en-US" sz="2000" dirty="0" smtClean="0">
+                <a:latin typeface="Eras Light ITC" panose="020B0402030504020804" pitchFamily="34" charset="0"/>
+              </a:rPr>
+              <a:t>Status van </a:t>
+            </a:r>
+            <a:r>
+              <a:rPr lang="en-US" sz="2000" dirty="0" err="1" smtClean="0">
+                <a:latin typeface="Eras Light ITC" panose="020B0402030504020804" pitchFamily="34" charset="0"/>
+              </a:rPr>
+              <a:t>ingeschatte</a:t>
+            </a:r>
+            <a:r>
+              <a:rPr lang="en-US" sz="2000" dirty="0" smtClean="0">
+                <a:latin typeface="Eras Light ITC" panose="020B0402030504020804" pitchFamily="34" charset="0"/>
+              </a:rPr>
+              <a:t> </a:t>
+            </a:r>
+            <a:r>
+              <a:rPr lang="en-US" sz="2000" dirty="0" err="1" smtClean="0">
+                <a:latin typeface="Eras Light ITC" panose="020B0402030504020804" pitchFamily="34" charset="0"/>
+              </a:rPr>
+              <a:t>uren</a:t>
+            </a:r>
+            <a:r>
+              <a:rPr lang="en-US" sz="2000" dirty="0" smtClean="0">
+                <a:latin typeface="Eras Light ITC" panose="020B0402030504020804" pitchFamily="34" charset="0"/>
+              </a:rPr>
+              <a:t> </a:t>
+            </a:r>
+            <a:r>
+              <a:rPr lang="en-US" sz="2000" dirty="0" err="1" smtClean="0">
+                <a:latin typeface="Eras Light ITC" panose="020B0402030504020804" pitchFamily="34" charset="0"/>
+              </a:rPr>
+              <a:t>t.o.v</a:t>
+            </a:r>
+            <a:r>
+              <a:rPr lang="en-US" sz="2000" dirty="0" smtClean="0">
+                <a:latin typeface="Eras Light ITC" panose="020B0402030504020804" pitchFamily="34" charset="0"/>
+              </a:rPr>
+              <a:t>. </a:t>
+            </a:r>
+            <a:r>
+              <a:rPr lang="en-US" sz="2000" dirty="0" err="1" smtClean="0">
+                <a:latin typeface="Eras Light ITC" panose="020B0402030504020804" pitchFamily="34" charset="0"/>
+              </a:rPr>
+              <a:t>gemaakte</a:t>
+            </a:r>
+            <a:r>
+              <a:rPr lang="en-US" sz="2000" dirty="0" smtClean="0">
+                <a:latin typeface="Eras Light ITC" panose="020B0402030504020804" pitchFamily="34" charset="0"/>
+              </a:rPr>
+              <a:t> </a:t>
+            </a:r>
+            <a:r>
+              <a:rPr lang="en-US" sz="2000" dirty="0" err="1" smtClean="0">
+                <a:latin typeface="Eras Light ITC" panose="020B0402030504020804" pitchFamily="34" charset="0"/>
+              </a:rPr>
+              <a:t>uren</a:t>
+            </a:r>
+            <a:r>
+              <a:rPr lang="en-US" sz="2000" dirty="0" smtClean="0">
+                <a:latin typeface="Eras Light ITC" panose="020B0402030504020804" pitchFamily="34" charset="0"/>
+              </a:rPr>
+              <a:t> DEV </a:t>
+            </a:r>
+            <a:r>
+              <a:rPr lang="en-US" sz="2000" dirty="0" err="1" smtClean="0">
+                <a:latin typeface="Eras Light ITC" panose="020B0402030504020804" pitchFamily="34" charset="0"/>
+              </a:rPr>
+              <a:t>fase</a:t>
+            </a:r>
+            <a:r>
+              <a:rPr lang="en-US" sz="2000" dirty="0" smtClean="0">
+                <a:latin typeface="Eras Light ITC" panose="020B0402030504020804" pitchFamily="34" charset="0"/>
+              </a:rPr>
+              <a:t> 1</a:t>
+            </a:r>
+          </a:p>
+          <a:p>
+            <a:r>
+              <a:rPr lang="en-US" sz="2000" dirty="0" smtClean="0">
+                <a:latin typeface="Eras Light ITC" panose="020B0402030504020804" pitchFamily="34" charset="0"/>
+              </a:rPr>
+              <a:t>Planning </a:t>
+            </a:r>
+            <a:r>
+              <a:rPr lang="en-US" sz="2000" dirty="0" err="1" smtClean="0">
+                <a:latin typeface="Eras Light ITC" panose="020B0402030504020804" pitchFamily="34" charset="0"/>
+              </a:rPr>
+              <a:t>uitgebreid</a:t>
+            </a:r>
+            <a:r>
+              <a:rPr lang="en-US" sz="2000" dirty="0" smtClean="0">
+                <a:latin typeface="Eras Light ITC" panose="020B0402030504020804" pitchFamily="34" charset="0"/>
+              </a:rPr>
+              <a:t> </a:t>
+            </a:r>
+            <a:r>
+              <a:rPr lang="en-US" sz="2000" dirty="0" err="1" smtClean="0">
+                <a:latin typeface="Eras Light ITC" panose="020B0402030504020804" pitchFamily="34" charset="0"/>
+              </a:rPr>
+              <a:t>laten</a:t>
+            </a:r>
+            <a:r>
+              <a:rPr lang="en-US" sz="2000" dirty="0" smtClean="0">
+                <a:latin typeface="Eras Light ITC" panose="020B0402030504020804" pitchFamily="34" charset="0"/>
+              </a:rPr>
+              <a:t> </a:t>
+            </a:r>
+            <a:r>
+              <a:rPr lang="en-US" sz="2000" dirty="0" err="1" smtClean="0">
+                <a:latin typeface="Eras Light ITC" panose="020B0402030504020804" pitchFamily="34" charset="0"/>
+              </a:rPr>
+              <a:t>zien</a:t>
+            </a:r>
+            <a:r>
+              <a:rPr lang="en-US" sz="2000" dirty="0" smtClean="0">
+                <a:latin typeface="Eras Light ITC" panose="020B0402030504020804" pitchFamily="34" charset="0"/>
+              </a:rPr>
+              <a:t> </a:t>
+            </a:r>
+            <a:r>
+              <a:rPr lang="en-US" sz="2000" dirty="0" err="1" smtClean="0">
+                <a:latin typeface="Eras Light ITC" panose="020B0402030504020804" pitchFamily="34" charset="0"/>
+              </a:rPr>
+              <a:t>voor</a:t>
+            </a:r>
+            <a:r>
+              <a:rPr lang="en-US" sz="2000" dirty="0" smtClean="0">
+                <a:latin typeface="Eras Light ITC" panose="020B0402030504020804" pitchFamily="34" charset="0"/>
+              </a:rPr>
+              <a:t> </a:t>
+            </a:r>
+            <a:r>
+              <a:rPr lang="en-US" sz="2000" dirty="0" err="1" smtClean="0">
+                <a:latin typeface="Eras Light ITC" panose="020B0402030504020804" pitchFamily="34" charset="0"/>
+              </a:rPr>
+              <a:t>aankomende</a:t>
+            </a:r>
+            <a:r>
+              <a:rPr lang="en-US" sz="2000" dirty="0" smtClean="0">
+                <a:latin typeface="Eras Light ITC" panose="020B0402030504020804" pitchFamily="34" charset="0"/>
+              </a:rPr>
+              <a:t> </a:t>
+            </a:r>
+            <a:r>
+              <a:rPr lang="en-US" sz="2000" dirty="0" err="1" smtClean="0">
+                <a:latin typeface="Eras Light ITC" panose="020B0402030504020804" pitchFamily="34" charset="0"/>
+              </a:rPr>
+              <a:t>devfase</a:t>
+            </a:r>
+            <a:r>
+              <a:rPr lang="en-US" sz="2000" dirty="0" smtClean="0">
+                <a:latin typeface="Eras Light ITC" panose="020B0402030504020804" pitchFamily="34" charset="0"/>
+              </a:rPr>
+              <a:t> 2 </a:t>
+            </a:r>
+            <a:r>
+              <a:rPr lang="en-US" sz="2000" dirty="0" err="1" smtClean="0">
+                <a:latin typeface="Eras Light ITC" panose="020B0402030504020804" pitchFamily="34" charset="0"/>
+              </a:rPr>
+              <a:t>inclusief</a:t>
+            </a:r>
+            <a:r>
+              <a:rPr lang="en-US" sz="2000" dirty="0" smtClean="0">
+                <a:latin typeface="Eras Light ITC" panose="020B0402030504020804" pitchFamily="34" charset="0"/>
+              </a:rPr>
+              <a:t> </a:t>
+            </a:r>
+            <a:r>
+              <a:rPr lang="en-US" sz="2000" dirty="0" err="1" smtClean="0">
+                <a:latin typeface="Eras Light ITC" panose="020B0402030504020804" pitchFamily="34" charset="0"/>
+              </a:rPr>
+              <a:t>tijdsinschatting</a:t>
+            </a:r>
+            <a:r>
+              <a:rPr lang="en-US" sz="2000" dirty="0" smtClean="0">
+                <a:latin typeface="Eras Light ITC" panose="020B0402030504020804" pitchFamily="34" charset="0"/>
+              </a:rPr>
+              <a:t> </a:t>
+            </a:r>
+            <a:r>
+              <a:rPr lang="en-US" sz="2000" dirty="0" err="1" smtClean="0">
+                <a:latin typeface="Eras Light ITC" panose="020B0402030504020804" pitchFamily="34" charset="0"/>
+              </a:rPr>
+              <a:t>en</a:t>
+            </a:r>
+            <a:r>
+              <a:rPr lang="en-US" sz="2000" dirty="0" smtClean="0">
+                <a:latin typeface="Eras Light ITC" panose="020B0402030504020804" pitchFamily="34" charset="0"/>
+              </a:rPr>
+              <a:t> </a:t>
+            </a:r>
+            <a:r>
+              <a:rPr lang="en-US" sz="2000" dirty="0" err="1" smtClean="0">
+                <a:latin typeface="Eras Light ITC" panose="020B0402030504020804" pitchFamily="34" charset="0"/>
+              </a:rPr>
+              <a:t>taakverdeling</a:t>
+            </a:r>
+            <a:r>
+              <a:rPr lang="en-US" sz="2000" dirty="0" smtClean="0">
+                <a:latin typeface="Eras Light ITC" panose="020B0402030504020804" pitchFamily="34" charset="0"/>
+              </a:rPr>
+              <a:t>***</a:t>
+            </a:r>
+          </a:p>
+          <a:p>
+            <a:r>
+              <a:rPr lang="en-US" sz="2000" dirty="0" err="1" smtClean="0">
+                <a:latin typeface="Eras Light ITC" panose="020B0402030504020804" pitchFamily="34" charset="0"/>
+              </a:rPr>
               <a:t>Uitleg</a:t>
             </a:r>
             <a:r>
               <a:rPr lang="en-US" sz="2000" dirty="0" smtClean="0">
                 <a:latin typeface="Eras Light ITC" panose="020B0402030504020804" pitchFamily="34" charset="0"/>
               </a:rPr>
+              <a:t> van </a:t>
+            </a:r>
+            <a:r>
+              <a:rPr lang="en-US" sz="2000" dirty="0" err="1" smtClean="0">
+                <a:latin typeface="Eras Light ITC" panose="020B0402030504020804" pitchFamily="34" charset="0"/>
+              </a:rPr>
+              <a:t>planningsmanager</a:t>
+            </a:r>
+            <a:r>
+              <a:rPr lang="en-US" sz="2000" dirty="0" smtClean="0">
+                <a:latin typeface="Eras Light ITC" panose="020B0402030504020804" pitchFamily="34" charset="0"/>
+              </a:rPr>
+              <a:t> wat </a:t>
+            </a:r>
+            <a:r>
+              <a:rPr lang="en-US" sz="2000" dirty="0" err="1" smtClean="0">
+                <a:latin typeface="Eras Light ITC" panose="020B0402030504020804" pitchFamily="34" charset="0"/>
+              </a:rPr>
+              <a:t>er</a:t>
+            </a:r>
+            <a:r>
+              <a:rPr lang="en-US" sz="2000" dirty="0" smtClean="0">
+                <a:latin typeface="Eras Light ITC" panose="020B0402030504020804" pitchFamily="34" charset="0"/>
+              </a:rPr>
               <a:t> </a:t>
             </a:r>
             <a:r>
               <a:rPr lang="en-US" sz="2000" dirty="0" err="1" smtClean="0">
                 <a:latin typeface="Eras Light ITC" panose="020B0402030504020804" pitchFamily="34" charset="0"/>
               </a:rPr>
-              <a:t>gevonden</a:t>
+              <a:t>goed</a:t>
             </a:r>
             <a:r>
               <a:rPr lang="en-US" sz="2000" dirty="0" smtClean="0">
                 <a:latin typeface="Eras Light ITC" panose="020B0402030504020804" pitchFamily="34" charset="0"/>
               </a:rPr>
-              <a:t> bugs</a:t>
-            </a:r>
-          </a:p>
-          <a:p>
+              <a:t>  </a:t>
+            </a:r>
             <a:r>
               <a:rPr lang="en-US" sz="2000" dirty="0" err="1" smtClean="0">
                 <a:latin typeface="Eras Light ITC" panose="020B0402030504020804" pitchFamily="34" charset="0"/>
               </a:rPr>
-              <a:t>Uitgeschreven</a:t>
+              <a:t>gaat</a:t>
             </a:r>
             <a:r>
               <a:rPr lang="en-US" sz="2000" dirty="0" smtClean="0">
                 <a:latin typeface="Eras Light ITC" panose="020B0402030504020804" pitchFamily="34" charset="0"/>
               </a:rPr>
-              <a:t> QA </a:t>
+              <a:t> </a:t>
             </a:r>
             <a:r>
               <a:rPr lang="en-US" sz="2000" dirty="0" err="1" smtClean="0">
                 <a:latin typeface="Eras Light ITC" panose="020B0402030504020804" pitchFamily="34" charset="0"/>
               </a:rPr>
-              <a:t>rapporten</a:t>
+              <a:t>en</a:t>
             </a:r>
             <a:r>
               <a:rPr lang="en-US" sz="2000" dirty="0" smtClean="0">
                 <a:latin typeface="Eras Light ITC" panose="020B0402030504020804" pitchFamily="34" charset="0"/>
               </a:rPr>
+              <a:t> wat </a:t>
+            </a:r>
+            <a:r>
+              <a:rPr lang="en-US" sz="2000" dirty="0" err="1" smtClean="0">
+                <a:latin typeface="Eras Light ITC" panose="020B0402030504020804" pitchFamily="34" charset="0"/>
+              </a:rPr>
+              <a:t>beter</a:t>
+            </a:r>
+            <a:r>
+              <a:rPr lang="en-US" sz="2000" dirty="0" smtClean="0">
+                <a:latin typeface="Eras Light ITC" panose="020B0402030504020804" pitchFamily="34" charset="0"/>
+              </a:rPr>
               <a:t> </a:t>
             </a:r>
             <a:r>
               <a:rPr lang="en-US" sz="2000" dirty="0" err="1" smtClean="0">
                 <a:latin typeface="Eras Light ITC" panose="020B0402030504020804" pitchFamily="34" charset="0"/>
               </a:rPr>
-              <a:t>laten</a:t>
-            </a:r>
-            <a:r>
-              <a:rPr lang="en-US" sz="2000" dirty="0" smtClean="0">
-                <a:latin typeface="Eras Light ITC" panose="020B0402030504020804" pitchFamily="34" charset="0"/>
-              </a:rPr>
-              <a:t> </a:t>
-            </a:r>
-            <a:r>
-              <a:rPr lang="en-US" sz="2000" dirty="0" err="1" smtClean="0">
-                <a:latin typeface="Eras Light ITC" panose="020B0402030504020804" pitchFamily="34" charset="0"/>
-              </a:rPr>
-              <a:t>zien</a:t>
-            </a:r>
-            <a:r>
-              <a:rPr lang="en-US" sz="2000" dirty="0" smtClean="0">
-                <a:latin typeface="Eras Light ITC" panose="020B0402030504020804" pitchFamily="34" charset="0"/>
-              </a:rPr>
-              <a:t>***</a:t>
+              <a:t>moet</a:t>
             </a:r>
             <a:endParaRPr lang="en-US" sz="2000" dirty="0">
               <a:latin typeface="Eras Light ITC" panose="020B0402030504020804" pitchFamily="34" charset="0"/>
@@ -6429,7 +6720,7 @@
     </p:spTree>
     <p:extLst>
       <p:ext uri="{BB962C8B-B14F-4D97-AF65-F5344CB8AC3E}">
-        <p14:creationId xmlns:p14="http://schemas.microsoft.com/office/powerpoint/2010/main" val="928330923"/>
+        <p14:creationId xmlns:p14="http://schemas.microsoft.com/office/powerpoint/2010/main" val="908727159"/>
       </p:ext>
     </p:extLst>
   </p:cSld>
@@ -6488,6 +6779,942 @@
               <a:rPr lang="nl-NL" sz="6600" dirty="0" smtClean="0">
                 <a:latin typeface="Eras Light ITC" panose="020B0402030504020804" pitchFamily="34" charset="0"/>
               </a:rPr>
+              <a:t>UX(</a:t>
+            </a:r>
+            <a:r>
+              <a:rPr lang="nl-NL" sz="6600" dirty="0" err="1" smtClean="0">
+                <a:latin typeface="Eras Light ITC" panose="020B0402030504020804" pitchFamily="34" charset="0"/>
+              </a:rPr>
+              <a:t>kevin</a:t>
+            </a:r>
+            <a:r>
+              <a:rPr lang="nl-NL" sz="6600" dirty="0" smtClean="0">
+                <a:latin typeface="Eras Light ITC" panose="020B0402030504020804" pitchFamily="34" charset="0"/>
+              </a:rPr>
+              <a:t>)</a:t>
+            </a:r>
+            <a:endParaRPr lang="nl-NL" sz="6600" dirty="0">
+              <a:latin typeface="Eras Light ITC" panose="020B0402030504020804" pitchFamily="34" charset="0"/>
+            </a:endParaRPr>
+          </a:p>
+        </p:txBody>
+      </p:sp>
+      <p:sp>
+        <p:nvSpPr>
+          <p:cNvPr id="3" name="Tijdelijke aanduiding voor inhoud 2"/>
+          <p:cNvSpPr>
+            <a:spLocks noGrp="1"/>
+          </p:cNvSpPr>
+          <p:nvPr>
+            <p:ph idx="1"/>
+          </p:nvPr>
+        </p:nvSpPr>
+        <p:spPr>
+          <a:xfrm>
+            <a:off x="685801" y="2065867"/>
+            <a:ext cx="10131425" cy="4367123"/>
+          </a:xfrm>
+        </p:spPr>
+        <p:txBody>
+          <a:bodyPr>
+            <a:normAutofit/>
+          </a:bodyPr>
+          <a:lstStyle/>
+          <a:p>
+            <a:r>
+              <a:rPr lang="en-US" sz="2000" dirty="0" err="1" smtClean="0">
+                <a:latin typeface="Eras Light ITC" panose="020B0402030504020804" pitchFamily="34" charset="0"/>
+              </a:rPr>
+              <a:t>Voorbeelden</a:t>
+            </a:r>
+            <a:r>
+              <a:rPr lang="en-US" sz="2000" dirty="0" smtClean="0">
+                <a:latin typeface="Eras Light ITC" panose="020B0402030504020804" pitchFamily="34" charset="0"/>
+              </a:rPr>
+              <a:t> </a:t>
+            </a:r>
+            <a:r>
+              <a:rPr lang="en-US" sz="2000" dirty="0" err="1" smtClean="0">
+                <a:latin typeface="Eras Light ITC" panose="020B0402030504020804" pitchFamily="34" charset="0"/>
+              </a:rPr>
+              <a:t>laten</a:t>
+            </a:r>
+            <a:r>
+              <a:rPr lang="en-US" sz="2000" dirty="0" smtClean="0">
+                <a:latin typeface="Eras Light ITC" panose="020B0402030504020804" pitchFamily="34" charset="0"/>
+              </a:rPr>
+              <a:t> </a:t>
+            </a:r>
+            <a:r>
+              <a:rPr lang="en-US" sz="2000" dirty="0" err="1" smtClean="0">
+                <a:latin typeface="Eras Light ITC" panose="020B0402030504020804" pitchFamily="34" charset="0"/>
+              </a:rPr>
+              <a:t>zien</a:t>
+            </a:r>
+            <a:r>
+              <a:rPr lang="en-US" sz="2000" dirty="0" smtClean="0">
+                <a:latin typeface="Eras Light ITC" panose="020B0402030504020804" pitchFamily="34" charset="0"/>
+              </a:rPr>
+              <a:t> van fun-to-play element</a:t>
+            </a:r>
+          </a:p>
+          <a:p>
+            <a:r>
+              <a:rPr lang="en-US" sz="2000" dirty="0" err="1" smtClean="0">
+                <a:latin typeface="Eras Light ITC" panose="020B0402030504020804" pitchFamily="34" charset="0"/>
+              </a:rPr>
+              <a:t>Interactie</a:t>
+            </a:r>
+            <a:r>
+              <a:rPr lang="en-US" sz="2000" dirty="0" smtClean="0">
+                <a:latin typeface="Eras Light ITC" panose="020B0402030504020804" pitchFamily="34" charset="0"/>
+              </a:rPr>
+              <a:t> met de speller </a:t>
+            </a:r>
+            <a:r>
+              <a:rPr lang="en-US" sz="2000" dirty="0" err="1" smtClean="0">
+                <a:latin typeface="Eras Light ITC" panose="020B0402030504020804" pitchFamily="34" charset="0"/>
+              </a:rPr>
+              <a:t>laten</a:t>
+            </a:r>
+            <a:r>
+              <a:rPr lang="en-US" sz="2000" dirty="0" smtClean="0">
+                <a:latin typeface="Eras Light ITC" panose="020B0402030504020804" pitchFamily="34" charset="0"/>
+              </a:rPr>
+              <a:t> </a:t>
+            </a:r>
+            <a:r>
+              <a:rPr lang="en-US" sz="2000" dirty="0" err="1" smtClean="0">
+                <a:latin typeface="Eras Light ITC" panose="020B0402030504020804" pitchFamily="34" charset="0"/>
+              </a:rPr>
+              <a:t>zien</a:t>
+            </a:r>
+            <a:r>
+              <a:rPr lang="en-US" sz="2000" dirty="0" smtClean="0">
+                <a:latin typeface="Eras Light ITC" panose="020B0402030504020804" pitchFamily="34" charset="0"/>
+              </a:rPr>
+              <a:t>: HUD/Popups/Tutorial etc. </a:t>
+            </a:r>
+            <a:r>
+              <a:rPr lang="en-US" sz="2000" dirty="0" err="1" smtClean="0">
+                <a:latin typeface="Eras Light ITC" panose="020B0402030504020804" pitchFamily="34" charset="0"/>
+              </a:rPr>
+              <a:t>Ingame</a:t>
+            </a:r>
+            <a:r>
+              <a:rPr lang="en-US" sz="2000" dirty="0" smtClean="0">
+                <a:latin typeface="Eras Light ITC" panose="020B0402030504020804" pitchFamily="34" charset="0"/>
+              </a:rPr>
+              <a:t> of in </a:t>
+            </a:r>
+            <a:r>
+              <a:rPr lang="en-US" sz="2000" dirty="0" err="1" smtClean="0">
+                <a:latin typeface="Eras Light ITC" panose="020B0402030504020804" pitchFamily="34" charset="0"/>
+              </a:rPr>
+              <a:t>diagrammen</a:t>
+            </a:r>
+            <a:r>
+              <a:rPr lang="en-US" sz="2000" dirty="0" smtClean="0">
+                <a:latin typeface="Eras Light ITC" panose="020B0402030504020804" pitchFamily="34" charset="0"/>
+              </a:rPr>
+              <a:t>/</a:t>
+            </a:r>
+            <a:r>
+              <a:rPr lang="en-US" sz="2000" dirty="0" err="1" smtClean="0">
+                <a:latin typeface="Eras Light ITC" panose="020B0402030504020804" pitchFamily="34" charset="0"/>
+              </a:rPr>
+              <a:t>schetsen</a:t>
+            </a:r>
+            <a:r>
+              <a:rPr lang="en-US" sz="2000" dirty="0" smtClean="0">
+                <a:latin typeface="Eras Light ITC" panose="020B0402030504020804" pitchFamily="34" charset="0"/>
+              </a:rPr>
+              <a:t>***</a:t>
+            </a:r>
+            <a:endParaRPr lang="en-US" sz="2000" dirty="0">
+              <a:latin typeface="Eras Light ITC" panose="020B0402030504020804" pitchFamily="34" charset="0"/>
+            </a:endParaRPr>
+          </a:p>
+          <a:p>
+            <a:endParaRPr lang="en-US" sz="2000" dirty="0" smtClean="0">
+              <a:latin typeface="Eras Light ITC" panose="020B0402030504020804" pitchFamily="34" charset="0"/>
+            </a:endParaRPr>
+          </a:p>
+          <a:p>
+            <a:endParaRPr lang="en-US" sz="2000" dirty="0">
+              <a:latin typeface="Eras Light ITC" panose="020B0402030504020804" pitchFamily="34" charset="0"/>
+            </a:endParaRPr>
+          </a:p>
+          <a:p>
+            <a:endParaRPr lang="nl-NL" sz="2000" dirty="0" smtClean="0">
+              <a:latin typeface="Eras Light ITC" panose="020B0402030504020804" pitchFamily="34" charset="0"/>
+            </a:endParaRPr>
+          </a:p>
+        </p:txBody>
+      </p:sp>
+      <p:sp>
+        <p:nvSpPr>
+          <p:cNvPr id="5" name="Tijdelijke aanduiding voor inhoud 2"/>
+          <p:cNvSpPr txBox="1">
+            <a:spLocks/>
+          </p:cNvSpPr>
+          <p:nvPr/>
+        </p:nvSpPr>
+        <p:spPr>
+          <a:xfrm>
+            <a:off x="3876136" y="2065867"/>
+            <a:ext cx="7404395" cy="4367123"/>
+          </a:xfrm>
+          <a:prstGeom prst="rect">
+            <a:avLst/>
+          </a:prstGeom>
+        </p:spPr>
+        <p:txBody>
+          <a:bodyPr vert="horz" lIns="91440" tIns="45720" rIns="91440" bIns="45720" rtlCol="0" anchor="ctr">
+            <a:normAutofit/>
+          </a:bodyPr>
+          <a:lstStyle>
+            <a:lvl1pPr marL="285750" indent="-285750" algn="l" defTabSz="457200" rtl="0" eaLnBrk="1" latinLnBrk="0" hangingPunct="1">
+              <a:spcBef>
+                <a:spcPts val="0"/>
+              </a:spcBef>
+              <a:spcAft>
+                <a:spcPts val="1000"/>
+              </a:spcAft>
+              <a:buClr>
+                <a:schemeClr val="tx1"/>
+              </a:buClr>
+              <a:buSzPct val="100000"/>
+              <a:buFont typeface="Arial"/>
+              <a:buChar char="•"/>
+              <a:defRPr sz="1800" kern="1200" cap="none">
+                <a:solidFill>
+                  <a:schemeClr val="tx1"/>
+                </a:solidFill>
+                <a:effectLst/>
+                <a:latin typeface="+mn-lt"/>
+                <a:ea typeface="+mn-ea"/>
+                <a:cs typeface="+mn-cs"/>
+              </a:defRPr>
+            </a:lvl1pPr>
+            <a:lvl2pPr marL="742950" indent="-285750" algn="l" defTabSz="457200" rtl="0" eaLnBrk="1" latinLnBrk="0" hangingPunct="1">
+              <a:spcBef>
+                <a:spcPts val="0"/>
+              </a:spcBef>
+              <a:spcAft>
+                <a:spcPts val="1000"/>
+              </a:spcAft>
+              <a:buClr>
+                <a:schemeClr val="tx1"/>
+              </a:buClr>
+              <a:buSzPct val="100000"/>
+              <a:buFont typeface="Arial"/>
+              <a:buChar char="•"/>
+              <a:defRPr sz="1600" kern="1200" cap="none">
+                <a:solidFill>
+                  <a:schemeClr val="tx1"/>
+                </a:solidFill>
+                <a:effectLst/>
+                <a:latin typeface="+mn-lt"/>
+                <a:ea typeface="+mn-ea"/>
+                <a:cs typeface="+mn-cs"/>
+              </a:defRPr>
+            </a:lvl2pPr>
+            <a:lvl3pPr marL="1200150" indent="-285750" algn="l" defTabSz="457200" rtl="0" eaLnBrk="1" latinLnBrk="0" hangingPunct="1">
+              <a:spcBef>
+                <a:spcPts val="0"/>
+              </a:spcBef>
+              <a:spcAft>
+                <a:spcPts val="1000"/>
+              </a:spcAft>
+              <a:buClr>
+                <a:schemeClr val="tx1"/>
+              </a:buClr>
+              <a:buSzPct val="100000"/>
+              <a:buFont typeface="Arial"/>
+              <a:buChar char="•"/>
+              <a:defRPr sz="1400" kern="1200" cap="none">
+                <a:solidFill>
+                  <a:schemeClr val="tx1"/>
+                </a:solidFill>
+                <a:effectLst/>
+                <a:latin typeface="+mn-lt"/>
+                <a:ea typeface="+mn-ea"/>
+                <a:cs typeface="+mn-cs"/>
+              </a:defRPr>
+            </a:lvl3pPr>
+            <a:lvl4pPr marL="1543050" indent="-171450" algn="l" defTabSz="457200" rtl="0" eaLnBrk="1" latinLnBrk="0" hangingPunct="1">
+              <a:spcBef>
+                <a:spcPts val="0"/>
+              </a:spcBef>
+              <a:spcAft>
+                <a:spcPts val="1000"/>
+              </a:spcAft>
+              <a:buClr>
+                <a:schemeClr val="tx1"/>
+              </a:buClr>
+              <a:buSzPct val="100000"/>
+              <a:buFont typeface="Arial"/>
+              <a:buChar char="•"/>
+              <a:defRPr sz="1200" kern="1200" cap="none">
+                <a:solidFill>
+                  <a:schemeClr val="tx1"/>
+                </a:solidFill>
+                <a:effectLst/>
+                <a:latin typeface="+mn-lt"/>
+                <a:ea typeface="+mn-ea"/>
+                <a:cs typeface="+mn-cs"/>
+              </a:defRPr>
+            </a:lvl4pPr>
+            <a:lvl5pPr marL="2000250" indent="-171450" algn="l" defTabSz="457200" rtl="0" eaLnBrk="1" latinLnBrk="0" hangingPunct="1">
+              <a:spcBef>
+                <a:spcPts val="0"/>
+              </a:spcBef>
+              <a:spcAft>
+                <a:spcPts val="1000"/>
+              </a:spcAft>
+              <a:buClr>
+                <a:schemeClr val="tx1"/>
+              </a:buClr>
+              <a:buSzPct val="100000"/>
+              <a:buFont typeface="Arial"/>
+              <a:buChar char="•"/>
+              <a:defRPr sz="1200" kern="1200" cap="none">
+                <a:solidFill>
+                  <a:schemeClr val="tx1"/>
+                </a:solidFill>
+                <a:effectLst/>
+                <a:latin typeface="+mn-lt"/>
+                <a:ea typeface="+mn-ea"/>
+                <a:cs typeface="+mn-cs"/>
+              </a:defRPr>
+            </a:lvl5pPr>
+            <a:lvl6pPr marL="2514600" indent="-228600" algn="l" defTabSz="457200" rtl="0" eaLnBrk="1" latinLnBrk="0" hangingPunct="1">
+              <a:spcBef>
+                <a:spcPts val="0"/>
+              </a:spcBef>
+              <a:spcAft>
+                <a:spcPts val="1000"/>
+              </a:spcAft>
+              <a:buClr>
+                <a:schemeClr val="tx1"/>
+              </a:buClr>
+              <a:buSzPct val="100000"/>
+              <a:buFont typeface="Arial"/>
+              <a:buChar char="•"/>
+              <a:defRPr sz="1200" kern="1200" cap="none">
+                <a:solidFill>
+                  <a:schemeClr val="tx1"/>
+                </a:solidFill>
+                <a:effectLst/>
+                <a:latin typeface="+mn-lt"/>
+                <a:ea typeface="+mn-ea"/>
+                <a:cs typeface="+mn-cs"/>
+              </a:defRPr>
+            </a:lvl6pPr>
+            <a:lvl7pPr marL="2971800" indent="-228600" algn="l" defTabSz="457200" rtl="0" eaLnBrk="1" latinLnBrk="0" hangingPunct="1">
+              <a:spcBef>
+                <a:spcPts val="0"/>
+              </a:spcBef>
+              <a:spcAft>
+                <a:spcPts val="1000"/>
+              </a:spcAft>
+              <a:buClr>
+                <a:schemeClr val="tx1"/>
+              </a:buClr>
+              <a:buSzPct val="100000"/>
+              <a:buFont typeface="Arial"/>
+              <a:buChar char="•"/>
+              <a:defRPr sz="1200" kern="1200" cap="none">
+                <a:solidFill>
+                  <a:schemeClr val="tx1"/>
+                </a:solidFill>
+                <a:effectLst/>
+                <a:latin typeface="+mn-lt"/>
+                <a:ea typeface="+mn-ea"/>
+                <a:cs typeface="+mn-cs"/>
+              </a:defRPr>
+            </a:lvl7pPr>
+            <a:lvl8pPr marL="3429000" indent="-228600" algn="l" defTabSz="457200" rtl="0" eaLnBrk="1" latinLnBrk="0" hangingPunct="1">
+              <a:spcBef>
+                <a:spcPts val="0"/>
+              </a:spcBef>
+              <a:spcAft>
+                <a:spcPts val="1000"/>
+              </a:spcAft>
+              <a:buClr>
+                <a:schemeClr val="tx1"/>
+              </a:buClr>
+              <a:buSzPct val="100000"/>
+              <a:buFont typeface="Arial"/>
+              <a:buChar char="•"/>
+              <a:defRPr sz="1200" kern="1200" cap="none">
+                <a:solidFill>
+                  <a:schemeClr val="tx1"/>
+                </a:solidFill>
+                <a:effectLst/>
+                <a:latin typeface="+mn-lt"/>
+                <a:ea typeface="+mn-ea"/>
+                <a:cs typeface="+mn-cs"/>
+              </a:defRPr>
+            </a:lvl8pPr>
+            <a:lvl9pPr marL="3886200" indent="-228600" algn="l" defTabSz="457200" rtl="0" eaLnBrk="1" latinLnBrk="0" hangingPunct="1">
+              <a:spcBef>
+                <a:spcPts val="0"/>
+              </a:spcBef>
+              <a:spcAft>
+                <a:spcPts val="1000"/>
+              </a:spcAft>
+              <a:buClr>
+                <a:schemeClr val="tx1"/>
+              </a:buClr>
+              <a:buSzPct val="100000"/>
+              <a:buFont typeface="Arial"/>
+              <a:buChar char="•"/>
+              <a:defRPr sz="1200" kern="1200" cap="none">
+                <a:solidFill>
+                  <a:schemeClr val="tx1"/>
+                </a:solidFill>
+                <a:effectLst/>
+                <a:latin typeface="+mn-lt"/>
+                <a:ea typeface="+mn-ea"/>
+                <a:cs typeface="+mn-cs"/>
+              </a:defRPr>
+            </a:lvl9pPr>
+          </a:lstStyle>
+          <a:p>
+            <a:endParaRPr lang="nl-NL" sz="2000" dirty="0" smtClean="0">
+              <a:latin typeface="Eras Light ITC" panose="020B0402030504020804" pitchFamily="34" charset="0"/>
+            </a:endParaRPr>
+          </a:p>
+          <a:p>
+            <a:endParaRPr lang="nl-NL" sz="2000" dirty="0">
+              <a:latin typeface="Eras Light ITC" panose="020B0402030504020804" pitchFamily="34" charset="0"/>
+            </a:endParaRPr>
+          </a:p>
+          <a:p>
+            <a:endParaRPr lang="nl-NL" sz="2000" dirty="0" smtClean="0">
+              <a:latin typeface="Eras Light ITC" panose="020B0402030504020804" pitchFamily="34" charset="0"/>
+            </a:endParaRPr>
+          </a:p>
+          <a:p>
+            <a:endParaRPr lang="nl-NL" sz="2000" dirty="0">
+              <a:latin typeface="Eras Light ITC" panose="020B0402030504020804" pitchFamily="34" charset="0"/>
+            </a:endParaRPr>
+          </a:p>
+          <a:p>
+            <a:endParaRPr lang="nl-NL" sz="2000" dirty="0" smtClean="0">
+              <a:latin typeface="Eras Light ITC" panose="020B0402030504020804" pitchFamily="34" charset="0"/>
+            </a:endParaRPr>
+          </a:p>
+        </p:txBody>
+      </p:sp>
+    </p:spTree>
+    <p:extLst>
+      <p:ext uri="{BB962C8B-B14F-4D97-AF65-F5344CB8AC3E}">
+        <p14:creationId xmlns:p14="http://schemas.microsoft.com/office/powerpoint/2010/main" val="3969016415"/>
+      </p:ext>
+    </p:extLst>
+  </p:cSld>
+  <p:clrMapOvr>
+    <a:masterClrMapping/>
+  </p:clrMapOvr>
+  <p:timing>
+    <p:tnLst>
+      <p:par>
+        <p:cTn id="1" dur="indefinite" restart="never" nodeType="tmRoot"/>
+      </p:par>
+    </p:tnLst>
+  </p:timing>
+</p:sld>
+</file>
+
+<file path=ppt/slides/slide12.xml><?xml version="1.0" encoding="utf-8"?>
+<p:sld xmlns:a="http://schemas.openxmlformats.org/drawingml/2006/main" xmlns:r="http://schemas.openxmlformats.org/officeDocument/2006/relationships" xmlns:p="http://schemas.openxmlformats.org/presentationml/2006/main">
+  <p:cSld>
+    <p:spTree>
+      <p:nvGrpSpPr>
+        <p:cNvPr id="1" name=""/>
+        <p:cNvGrpSpPr/>
+        <p:nvPr/>
+      </p:nvGrpSpPr>
+      <p:grpSpPr>
+        <a:xfrm>
+          <a:off x="0" y="0"/>
+          <a:ext cx="0" cy="0"/>
+          <a:chOff x="0" y="0"/>
+          <a:chExt cx="0" cy="0"/>
+        </a:xfrm>
+      </p:grpSpPr>
+      <p:sp>
+        <p:nvSpPr>
+          <p:cNvPr id="2" name="Titel 1"/>
+          <p:cNvSpPr>
+            <a:spLocks noGrp="1"/>
+          </p:cNvSpPr>
+          <p:nvPr>
+            <p:ph type="title"/>
+          </p:nvPr>
+        </p:nvSpPr>
+        <p:spPr>
+          <a:xfrm>
+            <a:off x="0" y="609600"/>
+            <a:ext cx="12191999" cy="1456267"/>
+          </a:xfrm>
+        </p:spPr>
+        <p:txBody>
+          <a:bodyPr/>
+          <a:lstStyle/>
+          <a:p>
+            <a:pPr algn="ctr"/>
+            <a:r>
+              <a:rPr lang="nl-NL" sz="6600" dirty="0" smtClean="0">
+                <a:latin typeface="Eras Light ITC" panose="020B0402030504020804" pitchFamily="34" charset="0"/>
+              </a:rPr>
+              <a:t>QA(Mack)</a:t>
+            </a:r>
+            <a:endParaRPr lang="nl-NL" sz="6600" dirty="0">
+              <a:latin typeface="Eras Light ITC" panose="020B0402030504020804" pitchFamily="34" charset="0"/>
+            </a:endParaRPr>
+          </a:p>
+        </p:txBody>
+      </p:sp>
+      <p:sp>
+        <p:nvSpPr>
+          <p:cNvPr id="3" name="Tijdelijke aanduiding voor inhoud 2"/>
+          <p:cNvSpPr>
+            <a:spLocks noGrp="1"/>
+          </p:cNvSpPr>
+          <p:nvPr>
+            <p:ph idx="1"/>
+          </p:nvPr>
+        </p:nvSpPr>
+        <p:spPr>
+          <a:xfrm>
+            <a:off x="685801" y="2065867"/>
+            <a:ext cx="10131425" cy="4367123"/>
+          </a:xfrm>
+        </p:spPr>
+        <p:txBody>
+          <a:bodyPr>
+            <a:normAutofit/>
+          </a:bodyPr>
+          <a:lstStyle/>
+          <a:p>
+            <a:r>
+              <a:rPr lang="en-US" sz="2000" dirty="0" err="1" smtClean="0">
+                <a:latin typeface="Eras Light ITC" panose="020B0402030504020804" pitchFamily="34" charset="0"/>
+              </a:rPr>
+              <a:t>Uitleg</a:t>
+            </a:r>
+            <a:r>
+              <a:rPr lang="en-US" sz="2000" dirty="0" smtClean="0">
+                <a:latin typeface="Eras Light ITC" panose="020B0402030504020804" pitchFamily="34" charset="0"/>
+              </a:rPr>
+              <a:t> </a:t>
+            </a:r>
+            <a:r>
+              <a:rPr lang="en-US" sz="2000" dirty="0" err="1" smtClean="0">
+                <a:latin typeface="Eras Light ITC" panose="020B0402030504020804" pitchFamily="34" charset="0"/>
+              </a:rPr>
+              <a:t>gevonden</a:t>
+            </a:r>
+            <a:r>
+              <a:rPr lang="en-US" sz="2000" dirty="0" smtClean="0">
+                <a:latin typeface="Eras Light ITC" panose="020B0402030504020804" pitchFamily="34" charset="0"/>
+              </a:rPr>
+              <a:t> bugs</a:t>
+            </a:r>
+          </a:p>
+          <a:p>
+            <a:r>
+              <a:rPr lang="en-US" sz="2000" dirty="0" err="1" smtClean="0">
+                <a:latin typeface="Eras Light ITC" panose="020B0402030504020804" pitchFamily="34" charset="0"/>
+              </a:rPr>
+              <a:t>Uitgeschreven</a:t>
+            </a:r>
+            <a:r>
+              <a:rPr lang="en-US" sz="2000" dirty="0" smtClean="0">
+                <a:latin typeface="Eras Light ITC" panose="020B0402030504020804" pitchFamily="34" charset="0"/>
+              </a:rPr>
+              <a:t> QA </a:t>
+            </a:r>
+            <a:r>
+              <a:rPr lang="en-US" sz="2000" dirty="0" err="1" smtClean="0">
+                <a:latin typeface="Eras Light ITC" panose="020B0402030504020804" pitchFamily="34" charset="0"/>
+              </a:rPr>
+              <a:t>rapporten</a:t>
+            </a:r>
+            <a:r>
+              <a:rPr lang="en-US" sz="2000" dirty="0" smtClean="0">
+                <a:latin typeface="Eras Light ITC" panose="020B0402030504020804" pitchFamily="34" charset="0"/>
+              </a:rPr>
+              <a:t> </a:t>
+            </a:r>
+            <a:r>
+              <a:rPr lang="en-US" sz="2000" dirty="0" err="1" smtClean="0">
+                <a:latin typeface="Eras Light ITC" panose="020B0402030504020804" pitchFamily="34" charset="0"/>
+              </a:rPr>
+              <a:t>laten</a:t>
+            </a:r>
+            <a:r>
+              <a:rPr lang="en-US" sz="2000" dirty="0" smtClean="0">
+                <a:latin typeface="Eras Light ITC" panose="020B0402030504020804" pitchFamily="34" charset="0"/>
+              </a:rPr>
+              <a:t> </a:t>
+            </a:r>
+            <a:r>
+              <a:rPr lang="en-US" sz="2000" dirty="0" err="1" smtClean="0">
+                <a:latin typeface="Eras Light ITC" panose="020B0402030504020804" pitchFamily="34" charset="0"/>
+              </a:rPr>
+              <a:t>zien</a:t>
+            </a:r>
+            <a:r>
+              <a:rPr lang="en-US" sz="2000" dirty="0" smtClean="0">
+                <a:latin typeface="Eras Light ITC" panose="020B0402030504020804" pitchFamily="34" charset="0"/>
+              </a:rPr>
+              <a:t>***</a:t>
+            </a:r>
+            <a:endParaRPr lang="en-US" sz="2000" dirty="0">
+              <a:latin typeface="Eras Light ITC" panose="020B0402030504020804" pitchFamily="34" charset="0"/>
+            </a:endParaRPr>
+          </a:p>
+          <a:p>
+            <a:endParaRPr lang="en-US" sz="2000" dirty="0" smtClean="0">
+              <a:latin typeface="Eras Light ITC" panose="020B0402030504020804" pitchFamily="34" charset="0"/>
+            </a:endParaRPr>
+          </a:p>
+          <a:p>
+            <a:endParaRPr lang="en-US" sz="2000" dirty="0">
+              <a:latin typeface="Eras Light ITC" panose="020B0402030504020804" pitchFamily="34" charset="0"/>
+            </a:endParaRPr>
+          </a:p>
+          <a:p>
+            <a:endParaRPr lang="nl-NL" sz="2000" dirty="0" smtClean="0">
+              <a:latin typeface="Eras Light ITC" panose="020B0402030504020804" pitchFamily="34" charset="0"/>
+            </a:endParaRPr>
+          </a:p>
+        </p:txBody>
+      </p:sp>
+      <p:sp>
+        <p:nvSpPr>
+          <p:cNvPr id="5" name="Tijdelijke aanduiding voor inhoud 2"/>
+          <p:cNvSpPr txBox="1">
+            <a:spLocks/>
+          </p:cNvSpPr>
+          <p:nvPr/>
+        </p:nvSpPr>
+        <p:spPr>
+          <a:xfrm>
+            <a:off x="3876136" y="2065867"/>
+            <a:ext cx="7404395" cy="4367123"/>
+          </a:xfrm>
+          <a:prstGeom prst="rect">
+            <a:avLst/>
+          </a:prstGeom>
+        </p:spPr>
+        <p:txBody>
+          <a:bodyPr vert="horz" lIns="91440" tIns="45720" rIns="91440" bIns="45720" rtlCol="0" anchor="ctr">
+            <a:normAutofit/>
+          </a:bodyPr>
+          <a:lstStyle>
+            <a:lvl1pPr marL="285750" indent="-285750" algn="l" defTabSz="457200" rtl="0" eaLnBrk="1" latinLnBrk="0" hangingPunct="1">
+              <a:spcBef>
+                <a:spcPts val="0"/>
+              </a:spcBef>
+              <a:spcAft>
+                <a:spcPts val="1000"/>
+              </a:spcAft>
+              <a:buClr>
+                <a:schemeClr val="tx1"/>
+              </a:buClr>
+              <a:buSzPct val="100000"/>
+              <a:buFont typeface="Arial"/>
+              <a:buChar char="•"/>
+              <a:defRPr sz="1800" kern="1200" cap="none">
+                <a:solidFill>
+                  <a:schemeClr val="tx1"/>
+                </a:solidFill>
+                <a:effectLst/>
+                <a:latin typeface="+mn-lt"/>
+                <a:ea typeface="+mn-ea"/>
+                <a:cs typeface="+mn-cs"/>
+              </a:defRPr>
+            </a:lvl1pPr>
+            <a:lvl2pPr marL="742950" indent="-285750" algn="l" defTabSz="457200" rtl="0" eaLnBrk="1" latinLnBrk="0" hangingPunct="1">
+              <a:spcBef>
+                <a:spcPts val="0"/>
+              </a:spcBef>
+              <a:spcAft>
+                <a:spcPts val="1000"/>
+              </a:spcAft>
+              <a:buClr>
+                <a:schemeClr val="tx1"/>
+              </a:buClr>
+              <a:buSzPct val="100000"/>
+              <a:buFont typeface="Arial"/>
+              <a:buChar char="•"/>
+              <a:defRPr sz="1600" kern="1200" cap="none">
+                <a:solidFill>
+                  <a:schemeClr val="tx1"/>
+                </a:solidFill>
+                <a:effectLst/>
+                <a:latin typeface="+mn-lt"/>
+                <a:ea typeface="+mn-ea"/>
+                <a:cs typeface="+mn-cs"/>
+              </a:defRPr>
+            </a:lvl2pPr>
+            <a:lvl3pPr marL="1200150" indent="-285750" algn="l" defTabSz="457200" rtl="0" eaLnBrk="1" latinLnBrk="0" hangingPunct="1">
+              <a:spcBef>
+                <a:spcPts val="0"/>
+              </a:spcBef>
+              <a:spcAft>
+                <a:spcPts val="1000"/>
+              </a:spcAft>
+              <a:buClr>
+                <a:schemeClr val="tx1"/>
+              </a:buClr>
+              <a:buSzPct val="100000"/>
+              <a:buFont typeface="Arial"/>
+              <a:buChar char="•"/>
+              <a:defRPr sz="1400" kern="1200" cap="none">
+                <a:solidFill>
+                  <a:schemeClr val="tx1"/>
+                </a:solidFill>
+                <a:effectLst/>
+                <a:latin typeface="+mn-lt"/>
+                <a:ea typeface="+mn-ea"/>
+                <a:cs typeface="+mn-cs"/>
+              </a:defRPr>
+            </a:lvl3pPr>
+            <a:lvl4pPr marL="1543050" indent="-171450" algn="l" defTabSz="457200" rtl="0" eaLnBrk="1" latinLnBrk="0" hangingPunct="1">
+              <a:spcBef>
+                <a:spcPts val="0"/>
+              </a:spcBef>
+              <a:spcAft>
+                <a:spcPts val="1000"/>
+              </a:spcAft>
+              <a:buClr>
+                <a:schemeClr val="tx1"/>
+              </a:buClr>
+              <a:buSzPct val="100000"/>
+              <a:buFont typeface="Arial"/>
+              <a:buChar char="•"/>
+              <a:defRPr sz="1200" kern="1200" cap="none">
+                <a:solidFill>
+                  <a:schemeClr val="tx1"/>
+                </a:solidFill>
+                <a:effectLst/>
+                <a:latin typeface="+mn-lt"/>
+                <a:ea typeface="+mn-ea"/>
+                <a:cs typeface="+mn-cs"/>
+              </a:defRPr>
+            </a:lvl4pPr>
+            <a:lvl5pPr marL="2000250" indent="-171450" algn="l" defTabSz="457200" rtl="0" eaLnBrk="1" latinLnBrk="0" hangingPunct="1">
+              <a:spcBef>
+                <a:spcPts val="0"/>
+              </a:spcBef>
+              <a:spcAft>
+                <a:spcPts val="1000"/>
+              </a:spcAft>
+              <a:buClr>
+                <a:schemeClr val="tx1"/>
+              </a:buClr>
+              <a:buSzPct val="100000"/>
+              <a:buFont typeface="Arial"/>
+              <a:buChar char="•"/>
+              <a:defRPr sz="1200" kern="1200" cap="none">
+                <a:solidFill>
+                  <a:schemeClr val="tx1"/>
+                </a:solidFill>
+                <a:effectLst/>
+                <a:latin typeface="+mn-lt"/>
+                <a:ea typeface="+mn-ea"/>
+                <a:cs typeface="+mn-cs"/>
+              </a:defRPr>
+            </a:lvl5pPr>
+            <a:lvl6pPr marL="2514600" indent="-228600" algn="l" defTabSz="457200" rtl="0" eaLnBrk="1" latinLnBrk="0" hangingPunct="1">
+              <a:spcBef>
+                <a:spcPts val="0"/>
+              </a:spcBef>
+              <a:spcAft>
+                <a:spcPts val="1000"/>
+              </a:spcAft>
+              <a:buClr>
+                <a:schemeClr val="tx1"/>
+              </a:buClr>
+              <a:buSzPct val="100000"/>
+              <a:buFont typeface="Arial"/>
+              <a:buChar char="•"/>
+              <a:defRPr sz="1200" kern="1200" cap="none">
+                <a:solidFill>
+                  <a:schemeClr val="tx1"/>
+                </a:solidFill>
+                <a:effectLst/>
+                <a:latin typeface="+mn-lt"/>
+                <a:ea typeface="+mn-ea"/>
+                <a:cs typeface="+mn-cs"/>
+              </a:defRPr>
+            </a:lvl6pPr>
+            <a:lvl7pPr marL="2971800" indent="-228600" algn="l" defTabSz="457200" rtl="0" eaLnBrk="1" latinLnBrk="0" hangingPunct="1">
+              <a:spcBef>
+                <a:spcPts val="0"/>
+              </a:spcBef>
+              <a:spcAft>
+                <a:spcPts val="1000"/>
+              </a:spcAft>
+              <a:buClr>
+                <a:schemeClr val="tx1"/>
+              </a:buClr>
+              <a:buSzPct val="100000"/>
+              <a:buFont typeface="Arial"/>
+              <a:buChar char="•"/>
+              <a:defRPr sz="1200" kern="1200" cap="none">
+                <a:solidFill>
+                  <a:schemeClr val="tx1"/>
+                </a:solidFill>
+                <a:effectLst/>
+                <a:latin typeface="+mn-lt"/>
+                <a:ea typeface="+mn-ea"/>
+                <a:cs typeface="+mn-cs"/>
+              </a:defRPr>
+            </a:lvl7pPr>
+            <a:lvl8pPr marL="3429000" indent="-228600" algn="l" defTabSz="457200" rtl="0" eaLnBrk="1" latinLnBrk="0" hangingPunct="1">
+              <a:spcBef>
+                <a:spcPts val="0"/>
+              </a:spcBef>
+              <a:spcAft>
+                <a:spcPts val="1000"/>
+              </a:spcAft>
+              <a:buClr>
+                <a:schemeClr val="tx1"/>
+              </a:buClr>
+              <a:buSzPct val="100000"/>
+              <a:buFont typeface="Arial"/>
+              <a:buChar char="•"/>
+              <a:defRPr sz="1200" kern="1200" cap="none">
+                <a:solidFill>
+                  <a:schemeClr val="tx1"/>
+                </a:solidFill>
+                <a:effectLst/>
+                <a:latin typeface="+mn-lt"/>
+                <a:ea typeface="+mn-ea"/>
+                <a:cs typeface="+mn-cs"/>
+              </a:defRPr>
+            </a:lvl8pPr>
+            <a:lvl9pPr marL="3886200" indent="-228600" algn="l" defTabSz="457200" rtl="0" eaLnBrk="1" latinLnBrk="0" hangingPunct="1">
+              <a:spcBef>
+                <a:spcPts val="0"/>
+              </a:spcBef>
+              <a:spcAft>
+                <a:spcPts val="1000"/>
+              </a:spcAft>
+              <a:buClr>
+                <a:schemeClr val="tx1"/>
+              </a:buClr>
+              <a:buSzPct val="100000"/>
+              <a:buFont typeface="Arial"/>
+              <a:buChar char="•"/>
+              <a:defRPr sz="1200" kern="1200" cap="none">
+                <a:solidFill>
+                  <a:schemeClr val="tx1"/>
+                </a:solidFill>
+                <a:effectLst/>
+                <a:latin typeface="+mn-lt"/>
+                <a:ea typeface="+mn-ea"/>
+                <a:cs typeface="+mn-cs"/>
+              </a:defRPr>
+            </a:lvl9pPr>
+          </a:lstStyle>
+          <a:p>
+            <a:endParaRPr lang="nl-NL" sz="2000" dirty="0" smtClean="0">
+              <a:latin typeface="Eras Light ITC" panose="020B0402030504020804" pitchFamily="34" charset="0"/>
+            </a:endParaRPr>
+          </a:p>
+          <a:p>
+            <a:endParaRPr lang="nl-NL" sz="2000" dirty="0">
+              <a:latin typeface="Eras Light ITC" panose="020B0402030504020804" pitchFamily="34" charset="0"/>
+            </a:endParaRPr>
+          </a:p>
+          <a:p>
+            <a:endParaRPr lang="nl-NL" sz="2000" dirty="0" smtClean="0">
+              <a:latin typeface="Eras Light ITC" panose="020B0402030504020804" pitchFamily="34" charset="0"/>
+            </a:endParaRPr>
+          </a:p>
+          <a:p>
+            <a:endParaRPr lang="nl-NL" sz="2000" dirty="0">
+              <a:latin typeface="Eras Light ITC" panose="020B0402030504020804" pitchFamily="34" charset="0"/>
+            </a:endParaRPr>
+          </a:p>
+          <a:p>
+            <a:endParaRPr lang="nl-NL" sz="2000" dirty="0" smtClean="0">
+              <a:latin typeface="Eras Light ITC" panose="020B0402030504020804" pitchFamily="34" charset="0"/>
+            </a:endParaRPr>
+          </a:p>
+        </p:txBody>
+      </p:sp>
+    </p:spTree>
+    <p:extLst>
+      <p:ext uri="{BB962C8B-B14F-4D97-AF65-F5344CB8AC3E}">
+        <p14:creationId xmlns:p14="http://schemas.microsoft.com/office/powerpoint/2010/main" val="928330923"/>
+      </p:ext>
+    </p:extLst>
+  </p:cSld>
+  <p:clrMapOvr>
+    <a:masterClrMapping/>
+  </p:clrMapOvr>
+  <p:timing>
+    <p:tnLst>
+      <p:par>
+        <p:cTn id="1" dur="indefinite" restart="never" nodeType="tmRoot"/>
+      </p:par>
+    </p:tnLst>
+  </p:timing>
+</p:sld>
+</file>
+
+<file path=ppt/slides/slide13.xml><?xml version="1.0" encoding="utf-8"?>
+<p:sld xmlns:a="http://schemas.openxmlformats.org/drawingml/2006/main" xmlns:r="http://schemas.openxmlformats.org/officeDocument/2006/relationships" xmlns:p="http://schemas.openxmlformats.org/presentationml/2006/main">
+  <p:cSld>
+    <p:spTree>
+      <p:nvGrpSpPr>
+        <p:cNvPr id="1" name=""/>
+        <p:cNvGrpSpPr/>
+        <p:nvPr/>
+      </p:nvGrpSpPr>
+      <p:grpSpPr>
+        <a:xfrm>
+          <a:off x="0" y="0"/>
+          <a:ext cx="0" cy="0"/>
+          <a:chOff x="0" y="0"/>
+          <a:chExt cx="0" cy="0"/>
+        </a:xfrm>
+      </p:grpSpPr>
+      <p:sp>
+        <p:nvSpPr>
+          <p:cNvPr id="2" name="Titel 1"/>
+          <p:cNvSpPr>
+            <a:spLocks noGrp="1"/>
+          </p:cNvSpPr>
+          <p:nvPr>
+            <p:ph type="title"/>
+          </p:nvPr>
+        </p:nvSpPr>
+        <p:spPr>
+          <a:xfrm>
+            <a:off x="0" y="609600"/>
+            <a:ext cx="12191999" cy="1456267"/>
+          </a:xfrm>
+        </p:spPr>
+        <p:txBody>
+          <a:bodyPr/>
+          <a:lstStyle/>
+          <a:p>
+            <a:pPr algn="ctr"/>
+            <a:r>
+              <a:rPr lang="nl-NL" sz="6600" dirty="0" smtClean="0">
+                <a:latin typeface="Eras Light ITC" panose="020B0402030504020804" pitchFamily="34" charset="0"/>
+              </a:rPr>
               <a:t>Development(</a:t>
             </a:r>
             <a:r>
@@ -7004,7 +8231,7 @@
 </p:sld>
 </file>
 
-<file path=ppt/slides/slide12.xml><?xml version="1.0" encoding="utf-8"?>
+<file path=ppt/slides/slide14.xml><?xml version="1.0" encoding="utf-8"?>
 <p:sld xmlns:a="http://schemas.openxmlformats.org/drawingml/2006/main" xmlns:r="http://schemas.openxmlformats.org/officeDocument/2006/relationships" xmlns:p="http://schemas.openxmlformats.org/presentationml/2006/main">
   <p:cSld>
     <p:spTree>
@@ -7175,13 +8402,7 @@
               <a:rPr lang="nl-NL" sz="6600" dirty="0" smtClean="0">
                 <a:latin typeface="Eras Light ITC" panose="020B0402030504020804" pitchFamily="34" charset="0"/>
               </a:rPr>
-              <a:t>Voorstellen </a:t>
-            </a:r>
-            <a:r>
-              <a:rPr lang="nl-NL" sz="6600" dirty="0" smtClean="0">
-                <a:latin typeface="Eras Light ITC" panose="020B0402030504020804" pitchFamily="34" charset="0"/>
-              </a:rPr>
-              <a:t>groep(</a:t>
+              <a:t>Voorstellen groep(</a:t>
             </a:r>
             <a:r>
               <a:rPr lang="nl-NL" sz="6600" dirty="0" err="1" smtClean="0">
@@ -8873,116 +10094,21 @@
               <a:rPr lang="nl-NL" sz="6600" dirty="0" smtClean="0">
                 <a:latin typeface="Eras Light ITC" panose="020B0402030504020804" pitchFamily="34" charset="0"/>
               </a:rPr>
-              <a:t>Art</a:t>
+              <a:t>Art***(</a:t>
+            </a:r>
+            <a:r>
+              <a:rPr lang="nl-NL" sz="6600" dirty="0" err="1" smtClean="0">
+                <a:latin typeface="Eras Light ITC" panose="020B0402030504020804" pitchFamily="34" charset="0"/>
+              </a:rPr>
+              <a:t>ruben</a:t>
             </a:r>
             <a:r>
               <a:rPr lang="nl-NL" sz="6600" dirty="0" smtClean="0">
                 <a:latin typeface="Eras Light ITC" panose="020B0402030504020804" pitchFamily="34" charset="0"/>
               </a:rPr>
-              <a:t>***(</a:t>
-            </a:r>
-            <a:r>
-              <a:rPr lang="nl-NL" sz="6600" dirty="0" err="1" smtClean="0">
-                <a:latin typeface="Eras Light ITC" panose="020B0402030504020804" pitchFamily="34" charset="0"/>
-              </a:rPr>
-              <a:t>ruben</a:t>
-            </a:r>
-            <a:r>
-              <a:rPr lang="nl-NL" sz="6600" dirty="0" smtClean="0">
-                <a:latin typeface="Eras Light ITC" panose="020B0402030504020804" pitchFamily="34" charset="0"/>
-              </a:rPr>
               <a:t>)</a:t>
             </a:r>
             <a:endParaRPr lang="nl-NL" sz="6600" dirty="0">
-              <a:latin typeface="Eras Light ITC" panose="020B0402030504020804" pitchFamily="34" charset="0"/>
-            </a:endParaRPr>
-          </a:p>
-        </p:txBody>
-      </p:sp>
-      <p:sp>
-        <p:nvSpPr>
-          <p:cNvPr id="3" name="Tijdelijke aanduiding voor inhoud 2"/>
-          <p:cNvSpPr>
-            <a:spLocks noGrp="1"/>
-          </p:cNvSpPr>
-          <p:nvPr>
-            <p:ph idx="1"/>
-          </p:nvPr>
-        </p:nvSpPr>
-        <p:spPr>
-          <a:xfrm>
-            <a:off x="685801" y="2065867"/>
-            <a:ext cx="10131425" cy="4367123"/>
-          </a:xfrm>
-        </p:spPr>
-        <p:txBody>
-          <a:bodyPr>
-            <a:normAutofit/>
-          </a:bodyPr>
-          <a:lstStyle/>
-          <a:p>
-            <a:r>
-              <a:rPr lang="en-US" sz="2000" dirty="0" smtClean="0">
-                <a:latin typeface="Eras Light ITC" panose="020B0402030504020804" pitchFamily="34" charset="0"/>
-              </a:rPr>
-              <a:t>Render van diverse characters/props </a:t>
-            </a:r>
-            <a:r>
-              <a:rPr lang="en-US" sz="2000" dirty="0" err="1" smtClean="0">
-                <a:latin typeface="Eras Light ITC" panose="020B0402030504020804" pitchFamily="34" charset="0"/>
-              </a:rPr>
-              <a:t>showen</a:t>
-            </a:r>
-            <a:endParaRPr lang="en-US" sz="2000" dirty="0" smtClean="0">
-              <a:latin typeface="Eras Light ITC" panose="020B0402030504020804" pitchFamily="34" charset="0"/>
-            </a:endParaRPr>
-          </a:p>
-          <a:p>
-            <a:r>
-              <a:rPr lang="en-US" sz="2000" dirty="0" smtClean="0">
-                <a:latin typeface="Eras Light ITC" panose="020B0402030504020804" pitchFamily="34" charset="0"/>
-              </a:rPr>
-              <a:t>Unwraps van diverse characters/props </a:t>
-            </a:r>
-            <a:r>
-              <a:rPr lang="en-US" sz="2000" dirty="0" err="1" smtClean="0">
-                <a:latin typeface="Eras Light ITC" panose="020B0402030504020804" pitchFamily="34" charset="0"/>
-              </a:rPr>
-              <a:t>showen</a:t>
-            </a:r>
-            <a:endParaRPr lang="en-US" sz="2000" dirty="0" smtClean="0">
-              <a:latin typeface="Eras Light ITC" panose="020B0402030504020804" pitchFamily="34" charset="0"/>
-            </a:endParaRPr>
-          </a:p>
-          <a:p>
-            <a:r>
-              <a:rPr lang="en-US" sz="2000" dirty="0" smtClean="0">
-                <a:latin typeface="Eras Light ITC" panose="020B0402030504020804" pitchFamily="34" charset="0"/>
-              </a:rPr>
-              <a:t>Textures van diverse characters/props </a:t>
-            </a:r>
-            <a:r>
-              <a:rPr lang="en-US" sz="2000" dirty="0" err="1" smtClean="0">
-                <a:latin typeface="Eras Light ITC" panose="020B0402030504020804" pitchFamily="34" charset="0"/>
-              </a:rPr>
-              <a:t>showen</a:t>
-            </a:r>
-            <a:endParaRPr lang="en-US" sz="2000" dirty="0">
-              <a:latin typeface="Eras Light ITC" panose="020B0402030504020804" pitchFamily="34" charset="0"/>
-            </a:endParaRPr>
-          </a:p>
-          <a:p>
-            <a:endParaRPr lang="en-US" sz="2000" dirty="0" smtClean="0">
-              <a:latin typeface="Eras Light ITC" panose="020B0402030504020804" pitchFamily="34" charset="0"/>
-            </a:endParaRPr>
-          </a:p>
-          <a:p>
-            <a:endParaRPr lang="en-US" sz="2000" dirty="0">
-              <a:latin typeface="Eras Light ITC" panose="020B0402030504020804" pitchFamily="34" charset="0"/>
-            </a:endParaRPr>
-          </a:p>
-          <a:p>
-            <a:endParaRPr lang="nl-NL" sz="2000" dirty="0" smtClean="0">
               <a:latin typeface="Eras Light ITC" panose="020B0402030504020804" pitchFamily="34" charset="0"/>
             </a:endParaRPr>
           </a:p>
@@ -9245,6 +10371,293 @@
           </a:p>
         </p:txBody>
       </p:sp>
+      <p:pic>
+        <p:nvPicPr>
+          <p:cNvPr id="1026" name="Picture 2" descr="C:\Users\Defame\Desktop\Presentatie gamelab 2 pics\CharacterRight.png"/>
+          <p:cNvPicPr>
+            <a:picLocks noChangeAspect="1" noChangeArrowheads="1"/>
+          </p:cNvPicPr>
+          <p:nvPr/>
+        </p:nvPicPr>
+        <p:blipFill>
+          <a:blip r:embed="rId2">
+            <a:extLst>
+              <a:ext uri="{28A0092B-C50C-407E-A947-70E740481C1C}">
+                <a14:useLocalDpi xmlns:a14="http://schemas.microsoft.com/office/drawing/2010/main" val="0"/>
+              </a:ext>
+            </a:extLst>
+          </a:blip>
+          <a:srcRect/>
+          <a:stretch>
+            <a:fillRect/>
+          </a:stretch>
+        </p:blipFill>
+        <p:spPr bwMode="auto">
+          <a:xfrm>
+            <a:off x="3854178" y="1785055"/>
+            <a:ext cx="1995044" cy="4931569"/>
+          </a:xfrm>
+          <a:prstGeom prst="rect">
+            <a:avLst/>
+          </a:prstGeom>
+          <a:noFill/>
+          <a:extLst>
+            <a:ext uri="{909E8E84-426E-40DD-AFC4-6F175D3DCCD1}">
+              <a14:hiddenFill xmlns:a14="http://schemas.microsoft.com/office/drawing/2010/main">
+                <a:solidFill>
+                  <a:srgbClr val="FFFFFF"/>
+                </a:solidFill>
+              </a14:hiddenFill>
+            </a:ext>
+          </a:extLst>
+        </p:spPr>
+      </p:pic>
+      <p:pic>
+        <p:nvPicPr>
+          <p:cNvPr id="1027" name="Picture 3" descr="C:\Users\Defame\Desktop\Presentatie gamelab 2 pics\CharacterLeft.png"/>
+          <p:cNvPicPr>
+            <a:picLocks noChangeAspect="1" noChangeArrowheads="1"/>
+          </p:cNvPicPr>
+          <p:nvPr/>
+        </p:nvPicPr>
+        <p:blipFill>
+          <a:blip r:embed="rId3">
+            <a:extLst>
+              <a:ext uri="{28A0092B-C50C-407E-A947-70E740481C1C}">
+                <a14:useLocalDpi xmlns:a14="http://schemas.microsoft.com/office/drawing/2010/main" val="0"/>
+              </a:ext>
+            </a:extLst>
+          </a:blip>
+          <a:srcRect/>
+          <a:stretch>
+            <a:fillRect/>
+          </a:stretch>
+        </p:blipFill>
+        <p:spPr bwMode="auto">
+          <a:xfrm>
+            <a:off x="5982199" y="1777380"/>
+            <a:ext cx="1865484" cy="4944096"/>
+          </a:xfrm>
+          <a:prstGeom prst="rect">
+            <a:avLst/>
+          </a:prstGeom>
+          <a:noFill/>
+          <a:extLst>
+            <a:ext uri="{909E8E84-426E-40DD-AFC4-6F175D3DCCD1}">
+              <a14:hiddenFill xmlns:a14="http://schemas.microsoft.com/office/drawing/2010/main">
+                <a:solidFill>
+                  <a:srgbClr val="FFFFFF"/>
+                </a:solidFill>
+              </a14:hiddenFill>
+            </a:ext>
+          </a:extLst>
+        </p:spPr>
+      </p:pic>
+      <p:pic>
+        <p:nvPicPr>
+          <p:cNvPr id="1028" name="Picture 4" descr="C:\Users\Defame\Desktop\Presentatie gamelab 2 pics\Revolver.png"/>
+          <p:cNvPicPr>
+            <a:picLocks noChangeAspect="1" noChangeArrowheads="1"/>
+          </p:cNvPicPr>
+          <p:nvPr/>
+        </p:nvPicPr>
+        <p:blipFill>
+          <a:blip r:embed="rId4">
+            <a:extLst>
+              <a:ext uri="{28A0092B-C50C-407E-A947-70E740481C1C}">
+                <a14:useLocalDpi xmlns:a14="http://schemas.microsoft.com/office/drawing/2010/main" val="0"/>
+              </a:ext>
+            </a:extLst>
+          </a:blip>
+          <a:srcRect/>
+          <a:stretch>
+            <a:fillRect/>
+          </a:stretch>
+        </p:blipFill>
+        <p:spPr bwMode="auto">
+          <a:xfrm>
+            <a:off x="445051" y="1878069"/>
+            <a:ext cx="3081446" cy="1901334"/>
+          </a:xfrm>
+          <a:prstGeom prst="rect">
+            <a:avLst/>
+          </a:prstGeom>
+          <a:noFill/>
+          <a:extLst>
+            <a:ext uri="{909E8E84-426E-40DD-AFC4-6F175D3DCCD1}">
+              <a14:hiddenFill xmlns:a14="http://schemas.microsoft.com/office/drawing/2010/main">
+                <a:solidFill>
+                  <a:srgbClr val="FFFFFF"/>
+                </a:solidFill>
+              </a14:hiddenFill>
+            </a:ext>
+          </a:extLst>
+        </p:spPr>
+      </p:pic>
+      <p:pic>
+        <p:nvPicPr>
+          <p:cNvPr id="1029" name="Picture 5" descr="C:\Users\Defame\Desktop\Presentatie gamelab 2 pics\CeramicBlade.png"/>
+          <p:cNvPicPr>
+            <a:picLocks noChangeAspect="1" noChangeArrowheads="1"/>
+          </p:cNvPicPr>
+          <p:nvPr/>
+        </p:nvPicPr>
+        <p:blipFill>
+          <a:blip r:embed="rId5">
+            <a:extLst>
+              <a:ext uri="{28A0092B-C50C-407E-A947-70E740481C1C}">
+                <a14:useLocalDpi xmlns:a14="http://schemas.microsoft.com/office/drawing/2010/main" val="0"/>
+              </a:ext>
+            </a:extLst>
+          </a:blip>
+          <a:srcRect/>
+          <a:stretch>
+            <a:fillRect/>
+          </a:stretch>
+        </p:blipFill>
+        <p:spPr bwMode="auto">
+          <a:xfrm>
+            <a:off x="8212262" y="4404575"/>
+            <a:ext cx="3736807" cy="370443"/>
+          </a:xfrm>
+          <a:prstGeom prst="rect">
+            <a:avLst/>
+          </a:prstGeom>
+          <a:noFill/>
+          <a:extLst>
+            <a:ext uri="{909E8E84-426E-40DD-AFC4-6F175D3DCCD1}">
+              <a14:hiddenFill xmlns:a14="http://schemas.microsoft.com/office/drawing/2010/main">
+                <a:solidFill>
+                  <a:srgbClr val="FFFFFF"/>
+                </a:solidFill>
+              </a14:hiddenFill>
+            </a:ext>
+          </a:extLst>
+        </p:spPr>
+      </p:pic>
+      <p:pic>
+        <p:nvPicPr>
+          <p:cNvPr id="1030" name="Picture 6" descr="C:\Users\Defame\Desktop\Presentatie gamelab 2 pics\Rifle.png"/>
+          <p:cNvPicPr>
+            <a:picLocks noChangeAspect="1" noChangeArrowheads="1"/>
+          </p:cNvPicPr>
+          <p:nvPr/>
+        </p:nvPicPr>
+        <p:blipFill>
+          <a:blip r:embed="rId6" cstate="print">
+            <a:extLst>
+              <a:ext uri="{28A0092B-C50C-407E-A947-70E740481C1C}">
+                <a14:useLocalDpi xmlns:a14="http://schemas.microsoft.com/office/drawing/2010/main" val="0"/>
+              </a:ext>
+            </a:extLst>
+          </a:blip>
+          <a:srcRect/>
+          <a:stretch>
+            <a:fillRect/>
+          </a:stretch>
+        </p:blipFill>
+        <p:spPr bwMode="auto">
+          <a:xfrm>
+            <a:off x="8479466" y="5339884"/>
+            <a:ext cx="3226672" cy="1033843"/>
+          </a:xfrm>
+          <a:prstGeom prst="rect">
+            <a:avLst/>
+          </a:prstGeom>
+          <a:noFill/>
+          <a:extLst>
+            <a:ext uri="{909E8E84-426E-40DD-AFC4-6F175D3DCCD1}">
+              <a14:hiddenFill xmlns:a14="http://schemas.microsoft.com/office/drawing/2010/main">
+                <a:solidFill>
+                  <a:srgbClr val="FFFFFF"/>
+                </a:solidFill>
+              </a14:hiddenFill>
+            </a:ext>
+          </a:extLst>
+        </p:spPr>
+      </p:pic>
+      <p:pic>
+        <p:nvPicPr>
+          <p:cNvPr id="1031" name="Picture 7" descr="C:\Users\Defame\Desktop\Presentatie gamelab 2 pics\Shotgun.png"/>
+          <p:cNvPicPr>
+            <a:picLocks noChangeAspect="1" noChangeArrowheads="1"/>
+          </p:cNvPicPr>
+          <p:nvPr/>
+        </p:nvPicPr>
+        <p:blipFill>
+          <a:blip r:embed="rId7">
+            <a:extLst>
+              <a:ext uri="{28A0092B-C50C-407E-A947-70E740481C1C}">
+                <a14:useLocalDpi xmlns:a14="http://schemas.microsoft.com/office/drawing/2010/main" val="0"/>
+              </a:ext>
+            </a:extLst>
+          </a:blip>
+          <a:srcRect/>
+          <a:stretch>
+            <a:fillRect/>
+          </a:stretch>
+        </p:blipFill>
+        <p:spPr bwMode="auto">
+          <a:xfrm>
+            <a:off x="8236535" y="1878069"/>
+            <a:ext cx="3712534" cy="1912829"/>
+          </a:xfrm>
+          <a:prstGeom prst="rect">
+            <a:avLst/>
+          </a:prstGeom>
+          <a:noFill/>
+          <a:extLst>
+            <a:ext uri="{909E8E84-426E-40DD-AFC4-6F175D3DCCD1}">
+              <a14:hiddenFill xmlns:a14="http://schemas.microsoft.com/office/drawing/2010/main">
+                <a:solidFill>
+                  <a:srgbClr val="FFFFFF"/>
+                </a:solidFill>
+              </a14:hiddenFill>
+            </a:ext>
+          </a:extLst>
+        </p:spPr>
+      </p:pic>
+      <p:pic>
+        <p:nvPicPr>
+          <p:cNvPr id="1032" name="Picture 8" descr="C:\Users\Defame\Desktop\Presentatie gamelab 2 pics\Grenade.png"/>
+          <p:cNvPicPr>
+            <a:picLocks noChangeAspect="1" noChangeArrowheads="1"/>
+          </p:cNvPicPr>
+          <p:nvPr/>
+        </p:nvPicPr>
+        <p:blipFill>
+          <a:blip r:embed="rId8">
+            <a:extLst>
+              <a:ext uri="{28A0092B-C50C-407E-A947-70E740481C1C}">
+                <a14:useLocalDpi xmlns:a14="http://schemas.microsoft.com/office/drawing/2010/main" val="0"/>
+              </a:ext>
+            </a:extLst>
+          </a:blip>
+          <a:srcRect/>
+          <a:stretch>
+            <a:fillRect/>
+          </a:stretch>
+        </p:blipFill>
+        <p:spPr bwMode="auto">
+          <a:xfrm>
+            <a:off x="1456984" y="4404575"/>
+            <a:ext cx="1057580" cy="2173914"/>
+          </a:xfrm>
+          <a:prstGeom prst="rect">
+            <a:avLst/>
+          </a:prstGeom>
+          <a:noFill/>
+          <a:extLst>
+            <a:ext uri="{909E8E84-426E-40DD-AFC4-6F175D3DCCD1}">
+              <a14:hiddenFill xmlns:a14="http://schemas.microsoft.com/office/drawing/2010/main">
+                <a:solidFill>
+                  <a:srgbClr val="FFFFFF"/>
+                </a:solidFill>
+              </a14:hiddenFill>
+            </a:ext>
+          </a:extLst>
+        </p:spPr>
+      </p:pic>
     </p:spTree>
     <p:extLst>
       <p:ext uri="{BB962C8B-B14F-4D97-AF65-F5344CB8AC3E}">
@@ -9282,495 +10695,180 @@
           <a:chExt cx="0" cy="0"/>
         </a:xfrm>
       </p:grpSpPr>
-      <p:sp>
-        <p:nvSpPr>
-          <p:cNvPr id="2" name="Titel 1"/>
-          <p:cNvSpPr>
-            <a:spLocks noGrp="1"/>
-          </p:cNvSpPr>
-          <p:nvPr>
-            <p:ph type="title"/>
-          </p:nvPr>
-        </p:nvSpPr>
-        <p:spPr>
+      <p:pic>
+        <p:nvPicPr>
+          <p:cNvPr id="2050" name="Picture 2" descr="C:\Users\Defame\Desktop\Presentatie gamelab 2 pics\MutatedDog.png"/>
+          <p:cNvPicPr>
+            <a:picLocks noChangeAspect="1" noChangeArrowheads="1"/>
+          </p:cNvPicPr>
+          <p:nvPr/>
+        </p:nvPicPr>
+        <p:blipFill>
+          <a:blip r:embed="rId2">
+            <a:extLst>
+              <a:ext uri="{28A0092B-C50C-407E-A947-70E740481C1C}">
+                <a14:useLocalDpi xmlns:a14="http://schemas.microsoft.com/office/drawing/2010/main" val="0"/>
+              </a:ext>
+            </a:extLst>
+          </a:blip>
+          <a:srcRect/>
+          <a:stretch>
+            <a:fillRect/>
+          </a:stretch>
+        </p:blipFill>
+        <p:spPr bwMode="auto">
           <a:xfrm>
-            <a:off x="0" y="609600"/>
-            <a:ext cx="12191999" cy="1456267"/>
-          </a:xfrm>
-        </p:spPr>
-        <p:txBody>
-          <a:bodyPr/>
-          <a:lstStyle/>
-          <a:p>
-            <a:pPr algn="ctr"/>
-            <a:r>
-              <a:rPr lang="nl-NL" sz="6600" dirty="0" smtClean="0">
-                <a:latin typeface="Eras Light ITC" panose="020B0402030504020804" pitchFamily="34" charset="0"/>
-              </a:rPr>
-              <a:t>Zone(</a:t>
-            </a:r>
-            <a:r>
-              <a:rPr lang="nl-NL" sz="6600" dirty="0" err="1" smtClean="0">
-                <a:latin typeface="Eras Light ITC" panose="020B0402030504020804" pitchFamily="34" charset="0"/>
-              </a:rPr>
-              <a:t>ruben</a:t>
-            </a:r>
-            <a:r>
-              <a:rPr lang="nl-NL" sz="6600" dirty="0" smtClean="0">
-                <a:latin typeface="Eras Light ITC" panose="020B0402030504020804" pitchFamily="34" charset="0"/>
-              </a:rPr>
-              <a:t>/</a:t>
-            </a:r>
-            <a:r>
-              <a:rPr lang="nl-NL" sz="6600" dirty="0" err="1" smtClean="0">
-                <a:latin typeface="Eras Light ITC" panose="020B0402030504020804" pitchFamily="34" charset="0"/>
-              </a:rPr>
-              <a:t>lara</a:t>
-            </a:r>
-            <a:r>
-              <a:rPr lang="nl-NL" sz="6600" dirty="0" smtClean="0">
-                <a:latin typeface="Eras Light ITC" panose="020B0402030504020804" pitchFamily="34" charset="0"/>
-              </a:rPr>
-              <a:t>)</a:t>
-            </a:r>
-            <a:endParaRPr lang="nl-NL" sz="6600" dirty="0">
-              <a:latin typeface="Eras Light ITC" panose="020B0402030504020804" pitchFamily="34" charset="0"/>
-            </a:endParaRPr>
-          </a:p>
-        </p:txBody>
-      </p:sp>
-      <p:sp>
-        <p:nvSpPr>
-          <p:cNvPr id="3" name="Tijdelijke aanduiding voor inhoud 2"/>
-          <p:cNvSpPr>
-            <a:spLocks noGrp="1"/>
-          </p:cNvSpPr>
-          <p:nvPr>
-            <p:ph idx="1"/>
-          </p:nvPr>
-        </p:nvSpPr>
-        <p:spPr>
-          <a:xfrm>
-            <a:off x="685801" y="2065867"/>
-            <a:ext cx="10131425" cy="4367123"/>
-          </a:xfrm>
-        </p:spPr>
-        <p:txBody>
-          <a:bodyPr>
-            <a:normAutofit/>
-          </a:bodyPr>
-          <a:lstStyle/>
-          <a:p>
-            <a:r>
-              <a:rPr lang="en-US" sz="2000" dirty="0" err="1" smtClean="0">
-                <a:latin typeface="Eras Light ITC" panose="020B0402030504020804" pitchFamily="34" charset="0"/>
-              </a:rPr>
-              <a:t>Showen</a:t>
-            </a:r>
-            <a:r>
-              <a:rPr lang="en-US" sz="2000" dirty="0" smtClean="0">
-                <a:latin typeface="Eras Light ITC" panose="020B0402030504020804" pitchFamily="34" charset="0"/>
-              </a:rPr>
-              <a:t> map van de </a:t>
-            </a:r>
-            <a:r>
-              <a:rPr lang="en-US" sz="2000" dirty="0" err="1" smtClean="0">
-                <a:latin typeface="Eras Light ITC" panose="020B0402030504020804" pitchFamily="34" charset="0"/>
-              </a:rPr>
-              <a:t>conceptfase</a:t>
-            </a:r>
-            <a:endParaRPr lang="en-US" sz="2000" dirty="0" smtClean="0">
-              <a:latin typeface="Eras Light ITC" panose="020B0402030504020804" pitchFamily="34" charset="0"/>
-            </a:endParaRPr>
-          </a:p>
-          <a:p>
-            <a:r>
-              <a:rPr lang="en-US" sz="2000" dirty="0" smtClean="0">
-                <a:latin typeface="Eras Light ITC" panose="020B0402030504020804" pitchFamily="34" charset="0"/>
-              </a:rPr>
-              <a:t>De game in </a:t>
-            </a:r>
-            <a:r>
-              <a:rPr lang="en-US" sz="2000" dirty="0" err="1" smtClean="0">
-                <a:latin typeface="Eras Light ITC" panose="020B0402030504020804" pitchFamily="34" charset="0"/>
-              </a:rPr>
-              <a:t>huidige</a:t>
-            </a:r>
-            <a:r>
-              <a:rPr lang="en-US" sz="2000" dirty="0" smtClean="0">
-                <a:latin typeface="Eras Light ITC" panose="020B0402030504020804" pitchFamily="34" charset="0"/>
-              </a:rPr>
-              <a:t> </a:t>
-            </a:r>
-            <a:r>
-              <a:rPr lang="en-US" sz="2000" dirty="0" err="1" smtClean="0">
-                <a:latin typeface="Eras Light ITC" panose="020B0402030504020804" pitchFamily="34" charset="0"/>
-              </a:rPr>
-              <a:t>staat</a:t>
-            </a:r>
-            <a:r>
-              <a:rPr lang="en-US" sz="2000" dirty="0" smtClean="0">
-                <a:latin typeface="Eras Light ITC" panose="020B0402030504020804" pitchFamily="34" charset="0"/>
-              </a:rPr>
-              <a:t> </a:t>
-            </a:r>
-            <a:r>
-              <a:rPr lang="en-US" sz="2000" dirty="0" err="1" smtClean="0">
-                <a:latin typeface="Eras Light ITC" panose="020B0402030504020804" pitchFamily="34" charset="0"/>
-              </a:rPr>
-              <a:t>showen</a:t>
-            </a:r>
-            <a:r>
-              <a:rPr lang="en-US" sz="2000" dirty="0" smtClean="0">
-                <a:latin typeface="Eras Light ITC" panose="020B0402030504020804" pitchFamily="34" charset="0"/>
-              </a:rPr>
-              <a:t> (Walk through)***</a:t>
-            </a:r>
-          </a:p>
-          <a:p>
-            <a:r>
-              <a:rPr lang="en-US" sz="2000" dirty="0" err="1" smtClean="0">
-                <a:latin typeface="Eras Light ITC" panose="020B0402030504020804" pitchFamily="34" charset="0"/>
-              </a:rPr>
-              <a:t>Uitleg</a:t>
-            </a:r>
-            <a:r>
-              <a:rPr lang="en-US" sz="2000" dirty="0" smtClean="0">
-                <a:latin typeface="Eras Light ITC" panose="020B0402030504020804" pitchFamily="34" charset="0"/>
-              </a:rPr>
-              <a:t> </a:t>
-            </a:r>
-            <a:r>
-              <a:rPr lang="en-US" sz="2000" dirty="0" err="1" smtClean="0">
-                <a:latin typeface="Eras Light ITC" panose="020B0402030504020804" pitchFamily="34" charset="0"/>
-              </a:rPr>
-              <a:t>Grayboxes</a:t>
-            </a:r>
-            <a:r>
-              <a:rPr lang="en-US" sz="2000" dirty="0" smtClean="0">
-                <a:latin typeface="Eras Light ITC" panose="020B0402030504020804" pitchFamily="34" charset="0"/>
-              </a:rPr>
-              <a:t> (wat </a:t>
-            </a:r>
-            <a:r>
-              <a:rPr lang="en-US" sz="2000" dirty="0" err="1" smtClean="0">
-                <a:latin typeface="Eras Light ITC" panose="020B0402030504020804" pitchFamily="34" charset="0"/>
-              </a:rPr>
-              <a:t>komt</a:t>
-            </a:r>
-            <a:r>
-              <a:rPr lang="en-US" sz="2000" dirty="0" smtClean="0">
-                <a:latin typeface="Eras Light ITC" panose="020B0402030504020804" pitchFamily="34" charset="0"/>
-              </a:rPr>
-              <a:t> </a:t>
-            </a:r>
-            <a:r>
-              <a:rPr lang="en-US" sz="2000" dirty="0" err="1" smtClean="0">
-                <a:latin typeface="Eras Light ITC" panose="020B0402030504020804" pitchFamily="34" charset="0"/>
-              </a:rPr>
-              <a:t>waar</a:t>
-            </a:r>
-            <a:r>
-              <a:rPr lang="en-US" sz="2000" dirty="0" smtClean="0">
-                <a:latin typeface="Eras Light ITC" panose="020B0402030504020804" pitchFamily="34" charset="0"/>
-              </a:rPr>
-              <a:t>)</a:t>
-            </a:r>
-            <a:endParaRPr lang="en-US" sz="2000" dirty="0">
-              <a:latin typeface="Eras Light ITC" panose="020B0402030504020804" pitchFamily="34" charset="0"/>
-            </a:endParaRPr>
-          </a:p>
-          <a:p>
-            <a:endParaRPr lang="en-US" sz="2000" dirty="0" smtClean="0">
-              <a:latin typeface="Eras Light ITC" panose="020B0402030504020804" pitchFamily="34" charset="0"/>
-            </a:endParaRPr>
-          </a:p>
-          <a:p>
-            <a:endParaRPr lang="en-US" sz="2000" dirty="0">
-              <a:latin typeface="Eras Light ITC" panose="020B0402030504020804" pitchFamily="34" charset="0"/>
-            </a:endParaRPr>
-          </a:p>
-          <a:p>
-            <a:endParaRPr lang="nl-NL" sz="2000" dirty="0" smtClean="0">
-              <a:latin typeface="Eras Light ITC" panose="020B0402030504020804" pitchFamily="34" charset="0"/>
-            </a:endParaRPr>
-          </a:p>
-        </p:txBody>
-      </p:sp>
-      <p:sp>
-        <p:nvSpPr>
-          <p:cNvPr id="5" name="Tijdelijke aanduiding voor inhoud 2"/>
-          <p:cNvSpPr txBox="1">
-            <a:spLocks/>
-          </p:cNvSpPr>
-          <p:nvPr/>
-        </p:nvSpPr>
-        <p:spPr>
-          <a:xfrm>
-            <a:off x="3876136" y="2065867"/>
-            <a:ext cx="7404395" cy="4367123"/>
+            <a:off x="5396788" y="643942"/>
+            <a:ext cx="5654625" cy="3837905"/>
           </a:xfrm>
           <a:prstGeom prst="rect">
             <a:avLst/>
           </a:prstGeom>
+          <a:noFill/>
+          <a:extLst>
+            <a:ext uri="{909E8E84-426E-40DD-AFC4-6F175D3DCCD1}">
+              <a14:hiddenFill xmlns:a14="http://schemas.microsoft.com/office/drawing/2010/main">
+                <a:solidFill>
+                  <a:srgbClr val="FFFFFF"/>
+                </a:solidFill>
+              </a14:hiddenFill>
+            </a:ext>
+          </a:extLst>
         </p:spPr>
-        <p:txBody>
-          <a:bodyPr vert="horz" lIns="91440" tIns="45720" rIns="91440" bIns="45720" rtlCol="0" anchor="ctr">
-            <a:normAutofit/>
-          </a:bodyPr>
-          <a:lstStyle>
-            <a:lvl1pPr marL="285750" indent="-285750" algn="l" defTabSz="457200" rtl="0" eaLnBrk="1" latinLnBrk="0" hangingPunct="1">
-              <a:spcBef>
-                <a:spcPts val="0"/>
-              </a:spcBef>
-              <a:spcAft>
-                <a:spcPts val="1000"/>
-              </a:spcAft>
-              <a:buClr>
-                <a:schemeClr val="tx1"/>
-              </a:buClr>
-              <a:buSzPct val="100000"/>
-              <a:buFont typeface="Arial"/>
-              <a:buChar char="•"/>
-              <a:defRPr sz="1800" kern="1200" cap="none">
-                <a:solidFill>
-                  <a:schemeClr val="tx1"/>
-                </a:solidFill>
-                <a:effectLst/>
-                <a:latin typeface="+mn-lt"/>
-                <a:ea typeface="+mn-ea"/>
-                <a:cs typeface="+mn-cs"/>
-              </a:defRPr>
-            </a:lvl1pPr>
-            <a:lvl2pPr marL="742950" indent="-285750" algn="l" defTabSz="457200" rtl="0" eaLnBrk="1" latinLnBrk="0" hangingPunct="1">
-              <a:spcBef>
-                <a:spcPts val="0"/>
-              </a:spcBef>
-              <a:spcAft>
-                <a:spcPts val="1000"/>
-              </a:spcAft>
-              <a:buClr>
-                <a:schemeClr val="tx1"/>
-              </a:buClr>
-              <a:buSzPct val="100000"/>
-              <a:buFont typeface="Arial"/>
-              <a:buChar char="•"/>
-              <a:defRPr sz="1600" kern="1200" cap="none">
-                <a:solidFill>
-                  <a:schemeClr val="tx1"/>
-                </a:solidFill>
-                <a:effectLst/>
-                <a:latin typeface="+mn-lt"/>
-                <a:ea typeface="+mn-ea"/>
-                <a:cs typeface="+mn-cs"/>
-              </a:defRPr>
-            </a:lvl2pPr>
-            <a:lvl3pPr marL="1200150" indent="-285750" algn="l" defTabSz="457200" rtl="0" eaLnBrk="1" latinLnBrk="0" hangingPunct="1">
-              <a:spcBef>
-                <a:spcPts val="0"/>
-              </a:spcBef>
-              <a:spcAft>
-                <a:spcPts val="1000"/>
-              </a:spcAft>
-              <a:buClr>
-                <a:schemeClr val="tx1"/>
-              </a:buClr>
-              <a:buSzPct val="100000"/>
-              <a:buFont typeface="Arial"/>
-              <a:buChar char="•"/>
-              <a:defRPr sz="1400" kern="1200" cap="none">
-                <a:solidFill>
-                  <a:schemeClr val="tx1"/>
-                </a:solidFill>
-                <a:effectLst/>
-                <a:latin typeface="+mn-lt"/>
-                <a:ea typeface="+mn-ea"/>
-                <a:cs typeface="+mn-cs"/>
-              </a:defRPr>
-            </a:lvl3pPr>
-            <a:lvl4pPr marL="1543050" indent="-171450" algn="l" defTabSz="457200" rtl="0" eaLnBrk="1" latinLnBrk="0" hangingPunct="1">
-              <a:spcBef>
-                <a:spcPts val="0"/>
-              </a:spcBef>
-              <a:spcAft>
-                <a:spcPts val="1000"/>
-              </a:spcAft>
-              <a:buClr>
-                <a:schemeClr val="tx1"/>
-              </a:buClr>
-              <a:buSzPct val="100000"/>
-              <a:buFont typeface="Arial"/>
-              <a:buChar char="•"/>
-              <a:defRPr sz="1200" kern="1200" cap="none">
-                <a:solidFill>
-                  <a:schemeClr val="tx1"/>
-                </a:solidFill>
-                <a:effectLst/>
-                <a:latin typeface="+mn-lt"/>
-                <a:ea typeface="+mn-ea"/>
-                <a:cs typeface="+mn-cs"/>
-              </a:defRPr>
-            </a:lvl4pPr>
-            <a:lvl5pPr marL="2000250" indent="-171450" algn="l" defTabSz="457200" rtl="0" eaLnBrk="1" latinLnBrk="0" hangingPunct="1">
-              <a:spcBef>
-                <a:spcPts val="0"/>
-              </a:spcBef>
-              <a:spcAft>
-                <a:spcPts val="1000"/>
-              </a:spcAft>
-              <a:buClr>
-                <a:schemeClr val="tx1"/>
-              </a:buClr>
-              <a:buSzPct val="100000"/>
-              <a:buFont typeface="Arial"/>
-              <a:buChar char="•"/>
-              <a:defRPr sz="1200" kern="1200" cap="none">
-                <a:solidFill>
-                  <a:schemeClr val="tx1"/>
-                </a:solidFill>
-                <a:effectLst/>
-                <a:latin typeface="+mn-lt"/>
-                <a:ea typeface="+mn-ea"/>
-                <a:cs typeface="+mn-cs"/>
-              </a:defRPr>
-            </a:lvl5pPr>
-            <a:lvl6pPr marL="2514600" indent="-228600" algn="l" defTabSz="457200" rtl="0" eaLnBrk="1" latinLnBrk="0" hangingPunct="1">
-              <a:spcBef>
-                <a:spcPts val="0"/>
-              </a:spcBef>
-              <a:spcAft>
-                <a:spcPts val="1000"/>
-              </a:spcAft>
-              <a:buClr>
-                <a:schemeClr val="tx1"/>
-              </a:buClr>
-              <a:buSzPct val="100000"/>
-              <a:buFont typeface="Arial"/>
-              <a:buChar char="•"/>
-              <a:defRPr sz="1200" kern="1200" cap="none">
-                <a:solidFill>
-                  <a:schemeClr val="tx1"/>
-                </a:solidFill>
-                <a:effectLst/>
-                <a:latin typeface="+mn-lt"/>
-                <a:ea typeface="+mn-ea"/>
-                <a:cs typeface="+mn-cs"/>
-              </a:defRPr>
-            </a:lvl6pPr>
-            <a:lvl7pPr marL="2971800" indent="-228600" algn="l" defTabSz="457200" rtl="0" eaLnBrk="1" latinLnBrk="0" hangingPunct="1">
-              <a:spcBef>
-                <a:spcPts val="0"/>
-              </a:spcBef>
-              <a:spcAft>
-                <a:spcPts val="1000"/>
-              </a:spcAft>
-              <a:buClr>
-                <a:schemeClr val="tx1"/>
-              </a:buClr>
-              <a:buSzPct val="100000"/>
-              <a:buFont typeface="Arial"/>
-              <a:buChar char="•"/>
-              <a:defRPr sz="1200" kern="1200" cap="none">
-                <a:solidFill>
-                  <a:schemeClr val="tx1"/>
-                </a:solidFill>
-                <a:effectLst/>
-                <a:latin typeface="+mn-lt"/>
-                <a:ea typeface="+mn-ea"/>
-                <a:cs typeface="+mn-cs"/>
-              </a:defRPr>
-            </a:lvl7pPr>
-            <a:lvl8pPr marL="3429000" indent="-228600" algn="l" defTabSz="457200" rtl="0" eaLnBrk="1" latinLnBrk="0" hangingPunct="1">
-              <a:spcBef>
-                <a:spcPts val="0"/>
-              </a:spcBef>
-              <a:spcAft>
-                <a:spcPts val="1000"/>
-              </a:spcAft>
-              <a:buClr>
-                <a:schemeClr val="tx1"/>
-              </a:buClr>
-              <a:buSzPct val="100000"/>
-              <a:buFont typeface="Arial"/>
-              <a:buChar char="•"/>
-              <a:defRPr sz="1200" kern="1200" cap="none">
-                <a:solidFill>
-                  <a:schemeClr val="tx1"/>
-                </a:solidFill>
-                <a:effectLst/>
-                <a:latin typeface="+mn-lt"/>
-                <a:ea typeface="+mn-ea"/>
-                <a:cs typeface="+mn-cs"/>
-              </a:defRPr>
-            </a:lvl8pPr>
-            <a:lvl9pPr marL="3886200" indent="-228600" algn="l" defTabSz="457200" rtl="0" eaLnBrk="1" latinLnBrk="0" hangingPunct="1">
-              <a:spcBef>
-                <a:spcPts val="0"/>
-              </a:spcBef>
-              <a:spcAft>
-                <a:spcPts val="1000"/>
-              </a:spcAft>
-              <a:buClr>
-                <a:schemeClr val="tx1"/>
-              </a:buClr>
-              <a:buSzPct val="100000"/>
-              <a:buFont typeface="Arial"/>
-              <a:buChar char="•"/>
-              <a:defRPr sz="1200" kern="1200" cap="none">
-                <a:solidFill>
-                  <a:schemeClr val="tx1"/>
-                </a:solidFill>
-                <a:effectLst/>
-                <a:latin typeface="+mn-lt"/>
-                <a:ea typeface="+mn-ea"/>
-                <a:cs typeface="+mn-cs"/>
-              </a:defRPr>
-            </a:lvl9pPr>
-          </a:lstStyle>
-          <a:p>
-            <a:endParaRPr lang="nl-NL" sz="2000" dirty="0" smtClean="0">
-              <a:latin typeface="Eras Light ITC" panose="020B0402030504020804" pitchFamily="34" charset="0"/>
-            </a:endParaRPr>
-          </a:p>
-          <a:p>
-            <a:endParaRPr lang="nl-NL" sz="2000" dirty="0">
-              <a:latin typeface="Eras Light ITC" panose="020B0402030504020804" pitchFamily="34" charset="0"/>
-            </a:endParaRPr>
-          </a:p>
-          <a:p>
-            <a:endParaRPr lang="nl-NL" sz="2000" dirty="0" smtClean="0">
-              <a:latin typeface="Eras Light ITC" panose="020B0402030504020804" pitchFamily="34" charset="0"/>
-            </a:endParaRPr>
-          </a:p>
-          <a:p>
-            <a:endParaRPr lang="nl-NL" sz="2000" dirty="0">
-              <a:latin typeface="Eras Light ITC" panose="020B0402030504020804" pitchFamily="34" charset="0"/>
-            </a:endParaRPr>
-          </a:p>
-          <a:p>
-            <a:endParaRPr lang="nl-NL" sz="2000" dirty="0" smtClean="0">
-              <a:latin typeface="Eras Light ITC" panose="020B0402030504020804" pitchFamily="34" charset="0"/>
-            </a:endParaRPr>
-          </a:p>
-        </p:txBody>
-      </p:sp>
+      </p:pic>
+      <p:pic>
+        <p:nvPicPr>
+          <p:cNvPr id="2051" name="Picture 3" descr="C:\Users\Defame\Desktop\Presentatie gamelab 2 pics\Xenomorph.png"/>
+          <p:cNvPicPr>
+            <a:picLocks noChangeAspect="1" noChangeArrowheads="1"/>
+          </p:cNvPicPr>
+          <p:nvPr/>
+        </p:nvPicPr>
+        <p:blipFill>
+          <a:blip r:embed="rId3">
+            <a:extLst>
+              <a:ext uri="{28A0092B-C50C-407E-A947-70E740481C1C}">
+                <a14:useLocalDpi xmlns:a14="http://schemas.microsoft.com/office/drawing/2010/main" val="0"/>
+              </a:ext>
+            </a:extLst>
+          </a:blip>
+          <a:srcRect/>
+          <a:stretch>
+            <a:fillRect/>
+          </a:stretch>
+        </p:blipFill>
+        <p:spPr bwMode="auto">
+          <a:xfrm>
+            <a:off x="1360695" y="643943"/>
+            <a:ext cx="3043881" cy="3218232"/>
+          </a:xfrm>
+          <a:prstGeom prst="rect">
+            <a:avLst/>
+          </a:prstGeom>
+          <a:noFill/>
+          <a:extLst>
+            <a:ext uri="{909E8E84-426E-40DD-AFC4-6F175D3DCCD1}">
+              <a14:hiddenFill xmlns:a14="http://schemas.microsoft.com/office/drawing/2010/main">
+                <a:solidFill>
+                  <a:srgbClr val="FFFFFF"/>
+                </a:solidFill>
+              </a14:hiddenFill>
+            </a:ext>
+          </a:extLst>
+        </p:spPr>
+      </p:pic>
+      <p:pic>
+        <p:nvPicPr>
+          <p:cNvPr id="2052" name="Picture 4" descr="C:\Users\Defame\Desktop\Presentatie gamelab 2 pics\Turret.png"/>
+          <p:cNvPicPr>
+            <a:picLocks noChangeAspect="1" noChangeArrowheads="1"/>
+          </p:cNvPicPr>
+          <p:nvPr/>
+        </p:nvPicPr>
+        <p:blipFill>
+          <a:blip r:embed="rId4">
+            <a:extLst>
+              <a:ext uri="{28A0092B-C50C-407E-A947-70E740481C1C}">
+                <a14:useLocalDpi xmlns:a14="http://schemas.microsoft.com/office/drawing/2010/main" val="0"/>
+              </a:ext>
+            </a:extLst>
+          </a:blip>
+          <a:srcRect/>
+          <a:stretch>
+            <a:fillRect/>
+          </a:stretch>
+        </p:blipFill>
+        <p:spPr bwMode="auto">
+          <a:xfrm>
+            <a:off x="1360695" y="4017114"/>
+            <a:ext cx="2186669" cy="2342860"/>
+          </a:xfrm>
+          <a:prstGeom prst="rect">
+            <a:avLst/>
+          </a:prstGeom>
+          <a:noFill/>
+          <a:extLst>
+            <a:ext uri="{909E8E84-426E-40DD-AFC4-6F175D3DCCD1}">
+              <a14:hiddenFill xmlns:a14="http://schemas.microsoft.com/office/drawing/2010/main">
+                <a:solidFill>
+                  <a:srgbClr val="FFFFFF"/>
+                </a:solidFill>
+              </a14:hiddenFill>
+            </a:ext>
+          </a:extLst>
+        </p:spPr>
+      </p:pic>
+      <p:pic>
+        <p:nvPicPr>
+          <p:cNvPr id="2053" name="Picture 5" descr="C:\Users\Defame\Desktop\Presentatie gamelab 2 pics\Roomba.png"/>
+          <p:cNvPicPr>
+            <a:picLocks noChangeAspect="1" noChangeArrowheads="1"/>
+          </p:cNvPicPr>
+          <p:nvPr/>
+        </p:nvPicPr>
+        <p:blipFill>
+          <a:blip r:embed="rId5" cstate="print">
+            <a:extLst>
+              <a:ext uri="{28A0092B-C50C-407E-A947-70E740481C1C}">
+                <a14:useLocalDpi xmlns:a14="http://schemas.microsoft.com/office/drawing/2010/main" val="0"/>
+              </a:ext>
+            </a:extLst>
+          </a:blip>
+          <a:srcRect/>
+          <a:stretch>
+            <a:fillRect/>
+          </a:stretch>
+        </p:blipFill>
+        <p:spPr bwMode="auto">
+          <a:xfrm>
+            <a:off x="5396788" y="4971468"/>
+            <a:ext cx="2283675" cy="1388506"/>
+          </a:xfrm>
+          <a:prstGeom prst="rect">
+            <a:avLst/>
+          </a:prstGeom>
+          <a:noFill/>
+          <a:extLst>
+            <a:ext uri="{909E8E84-426E-40DD-AFC4-6F175D3DCCD1}">
+              <a14:hiddenFill xmlns:a14="http://schemas.microsoft.com/office/drawing/2010/main">
+                <a:solidFill>
+                  <a:srgbClr val="FFFFFF"/>
+                </a:solidFill>
+              </a14:hiddenFill>
+            </a:ext>
+          </a:extLst>
+        </p:spPr>
+      </p:pic>
     </p:spTree>
     <p:extLst>
       <p:ext uri="{BB962C8B-B14F-4D97-AF65-F5344CB8AC3E}">
-        <p14:creationId xmlns:p14="http://schemas.microsoft.com/office/powerpoint/2010/main" val="1562790998"/>
+        <p14:creationId xmlns:p14="http://schemas.microsoft.com/office/powerpoint/2010/main" val="2627012721"/>
       </p:ext>
     </p:extLst>
   </p:cSld>
   <p:clrMapOvr>
     <a:masterClrMapping/>
   </p:clrMapOvr>
-  <p:timing>
-    <p:tnLst>
-      <p:par>
-        <p:cTn id="1" dur="indefinite" restart="never" nodeType="tmRoot"/>
-      </p:par>
-    </p:tnLst>
-  </p:timing>
 </p:sld>
 </file>
 
@@ -9791,719 +10889,221 @@
           <a:chExt cx="0" cy="0"/>
         </a:xfrm>
       </p:grpSpPr>
-      <p:sp>
-        <p:nvSpPr>
-          <p:cNvPr id="2" name="Titel 1"/>
-          <p:cNvSpPr>
-            <a:spLocks noGrp="1"/>
-          </p:cNvSpPr>
-          <p:nvPr>
-            <p:ph type="title"/>
-          </p:nvPr>
-        </p:nvSpPr>
-        <p:spPr>
+      <p:pic>
+        <p:nvPicPr>
+          <p:cNvPr id="3074" name="Picture 2" descr="C:\Users\Defame\Desktop\Presentatie gamelab 2 pics\Office.png"/>
+          <p:cNvPicPr>
+            <a:picLocks noChangeAspect="1" noChangeArrowheads="1"/>
+          </p:cNvPicPr>
+          <p:nvPr/>
+        </p:nvPicPr>
+        <p:blipFill>
+          <a:blip r:embed="rId2">
+            <a:extLst>
+              <a:ext uri="{28A0092B-C50C-407E-A947-70E740481C1C}">
+                <a14:useLocalDpi xmlns:a14="http://schemas.microsoft.com/office/drawing/2010/main" val="0"/>
+              </a:ext>
+            </a:extLst>
+          </a:blip>
+          <a:srcRect/>
+          <a:stretch>
+            <a:fillRect/>
+          </a:stretch>
+        </p:blipFill>
+        <p:spPr bwMode="auto">
           <a:xfrm>
-            <a:off x="0" y="609600"/>
-            <a:ext cx="12191999" cy="1456267"/>
-          </a:xfrm>
-        </p:spPr>
-        <p:txBody>
-          <a:bodyPr/>
-          <a:lstStyle/>
-          <a:p>
-            <a:pPr algn="ctr"/>
-            <a:r>
-              <a:rPr lang="nl-NL" sz="6600" dirty="0" smtClean="0">
-                <a:latin typeface="Eras Light ITC" panose="020B0402030504020804" pitchFamily="34" charset="0"/>
-              </a:rPr>
-              <a:t>Planning(</a:t>
-            </a:r>
-            <a:r>
-              <a:rPr lang="nl-NL" sz="6600" dirty="0" err="1" smtClean="0">
-                <a:latin typeface="Eras Light ITC" panose="020B0402030504020804" pitchFamily="34" charset="0"/>
-              </a:rPr>
-              <a:t>fahra</a:t>
-            </a:r>
-            <a:r>
-              <a:rPr lang="nl-NL" sz="6600" dirty="0" smtClean="0">
-                <a:latin typeface="Eras Light ITC" panose="020B0402030504020804" pitchFamily="34" charset="0"/>
-              </a:rPr>
-              <a:t>)</a:t>
-            </a:r>
-            <a:endParaRPr lang="nl-NL" sz="6600" dirty="0">
-              <a:latin typeface="Eras Light ITC" panose="020B0402030504020804" pitchFamily="34" charset="0"/>
-            </a:endParaRPr>
-          </a:p>
-        </p:txBody>
-      </p:sp>
-      <p:sp>
-        <p:nvSpPr>
-          <p:cNvPr id="3" name="Tijdelijke aanduiding voor inhoud 2"/>
-          <p:cNvSpPr>
-            <a:spLocks noGrp="1"/>
-          </p:cNvSpPr>
-          <p:nvPr>
-            <p:ph idx="1"/>
-          </p:nvPr>
-        </p:nvSpPr>
-        <p:spPr>
-          <a:xfrm>
-            <a:off x="685801" y="2065867"/>
-            <a:ext cx="10131425" cy="4367123"/>
-          </a:xfrm>
-        </p:spPr>
-        <p:txBody>
-          <a:bodyPr>
-            <a:normAutofit/>
-          </a:bodyPr>
-          <a:lstStyle/>
-          <a:p>
-            <a:r>
-              <a:rPr lang="en-US" sz="2000" dirty="0" smtClean="0">
-                <a:latin typeface="Eras Light ITC" panose="020B0402030504020804" pitchFamily="34" charset="0"/>
-              </a:rPr>
-              <a:t>Backlog </a:t>
-            </a:r>
-            <a:r>
-              <a:rPr lang="en-US" sz="2000" dirty="0" err="1" smtClean="0">
-                <a:latin typeface="Eras Light ITC" panose="020B0402030504020804" pitchFamily="34" charset="0"/>
-              </a:rPr>
-              <a:t>laten</a:t>
-            </a:r>
-            <a:r>
-              <a:rPr lang="en-US" sz="2000" dirty="0" smtClean="0">
-                <a:latin typeface="Eras Light ITC" panose="020B0402030504020804" pitchFamily="34" charset="0"/>
-              </a:rPr>
-              <a:t> </a:t>
-            </a:r>
-            <a:r>
-              <a:rPr lang="en-US" sz="2000" dirty="0" err="1" smtClean="0">
-                <a:latin typeface="Eras Light ITC" panose="020B0402030504020804" pitchFamily="34" charset="0"/>
-              </a:rPr>
-              <a:t>zien</a:t>
-            </a:r>
-            <a:r>
-              <a:rPr lang="en-US" sz="2000" dirty="0" smtClean="0">
-                <a:latin typeface="Eras Light ITC" panose="020B0402030504020804" pitchFamily="34" charset="0"/>
-              </a:rPr>
-              <a:t> met </a:t>
-            </a:r>
-            <a:r>
-              <a:rPr lang="en-US" sz="2000" dirty="0" err="1" smtClean="0">
-                <a:latin typeface="Eras Light ITC" panose="020B0402030504020804" pitchFamily="34" charset="0"/>
-              </a:rPr>
-              <a:t>actuele</a:t>
-            </a:r>
-            <a:r>
-              <a:rPr lang="en-US" sz="2000" dirty="0" smtClean="0">
-                <a:latin typeface="Eras Light ITC" panose="020B0402030504020804" pitchFamily="34" charset="0"/>
-              </a:rPr>
-              <a:t> </a:t>
-            </a:r>
-            <a:r>
-              <a:rPr lang="en-US" sz="2000" dirty="0" err="1" smtClean="0">
-                <a:latin typeface="Eras Light ITC" panose="020B0402030504020804" pitchFamily="34" charset="0"/>
-              </a:rPr>
-              <a:t>statussen</a:t>
-            </a:r>
-            <a:endParaRPr lang="en-US" sz="2000" dirty="0" smtClean="0">
-              <a:latin typeface="Eras Light ITC" panose="020B0402030504020804" pitchFamily="34" charset="0"/>
-            </a:endParaRPr>
-          </a:p>
-          <a:p>
-            <a:r>
-              <a:rPr lang="en-US" sz="2000" dirty="0" smtClean="0">
-                <a:latin typeface="Eras Light ITC" panose="020B0402030504020804" pitchFamily="34" charset="0"/>
-              </a:rPr>
-              <a:t>Status van </a:t>
-            </a:r>
-            <a:r>
-              <a:rPr lang="en-US" sz="2000" dirty="0" err="1" smtClean="0">
-                <a:latin typeface="Eras Light ITC" panose="020B0402030504020804" pitchFamily="34" charset="0"/>
-              </a:rPr>
-              <a:t>ingeschatte</a:t>
-            </a:r>
-            <a:r>
-              <a:rPr lang="en-US" sz="2000" dirty="0" smtClean="0">
-                <a:latin typeface="Eras Light ITC" panose="020B0402030504020804" pitchFamily="34" charset="0"/>
-              </a:rPr>
-              <a:t> </a:t>
-            </a:r>
-            <a:r>
-              <a:rPr lang="en-US" sz="2000" dirty="0" err="1" smtClean="0">
-                <a:latin typeface="Eras Light ITC" panose="020B0402030504020804" pitchFamily="34" charset="0"/>
-              </a:rPr>
-              <a:t>uren</a:t>
-            </a:r>
-            <a:r>
-              <a:rPr lang="en-US" sz="2000" dirty="0" smtClean="0">
-                <a:latin typeface="Eras Light ITC" panose="020B0402030504020804" pitchFamily="34" charset="0"/>
-              </a:rPr>
-              <a:t> </a:t>
-            </a:r>
-            <a:r>
-              <a:rPr lang="en-US" sz="2000" dirty="0" err="1" smtClean="0">
-                <a:latin typeface="Eras Light ITC" panose="020B0402030504020804" pitchFamily="34" charset="0"/>
-              </a:rPr>
-              <a:t>t.o.v</a:t>
-            </a:r>
-            <a:r>
-              <a:rPr lang="en-US" sz="2000" dirty="0" smtClean="0">
-                <a:latin typeface="Eras Light ITC" panose="020B0402030504020804" pitchFamily="34" charset="0"/>
-              </a:rPr>
-              <a:t>. </a:t>
-            </a:r>
-            <a:r>
-              <a:rPr lang="en-US" sz="2000" dirty="0" err="1" smtClean="0">
-                <a:latin typeface="Eras Light ITC" panose="020B0402030504020804" pitchFamily="34" charset="0"/>
-              </a:rPr>
-              <a:t>gemaakte</a:t>
-            </a:r>
-            <a:r>
-              <a:rPr lang="en-US" sz="2000" dirty="0" smtClean="0">
-                <a:latin typeface="Eras Light ITC" panose="020B0402030504020804" pitchFamily="34" charset="0"/>
-              </a:rPr>
-              <a:t> </a:t>
-            </a:r>
-            <a:r>
-              <a:rPr lang="en-US" sz="2000" dirty="0" err="1" smtClean="0">
-                <a:latin typeface="Eras Light ITC" panose="020B0402030504020804" pitchFamily="34" charset="0"/>
-              </a:rPr>
-              <a:t>uren</a:t>
-            </a:r>
-            <a:r>
-              <a:rPr lang="en-US" sz="2000" dirty="0" smtClean="0">
-                <a:latin typeface="Eras Light ITC" panose="020B0402030504020804" pitchFamily="34" charset="0"/>
-              </a:rPr>
-              <a:t> DEV </a:t>
-            </a:r>
-            <a:r>
-              <a:rPr lang="en-US" sz="2000" dirty="0" err="1" smtClean="0">
-                <a:latin typeface="Eras Light ITC" panose="020B0402030504020804" pitchFamily="34" charset="0"/>
-              </a:rPr>
-              <a:t>fase</a:t>
-            </a:r>
-            <a:r>
-              <a:rPr lang="en-US" sz="2000" dirty="0" smtClean="0">
-                <a:latin typeface="Eras Light ITC" panose="020B0402030504020804" pitchFamily="34" charset="0"/>
-              </a:rPr>
-              <a:t> 1</a:t>
-            </a:r>
-          </a:p>
-          <a:p>
-            <a:r>
-              <a:rPr lang="en-US" sz="2000" dirty="0" smtClean="0">
-                <a:latin typeface="Eras Light ITC" panose="020B0402030504020804" pitchFamily="34" charset="0"/>
-              </a:rPr>
-              <a:t>Planning </a:t>
-            </a:r>
-            <a:r>
-              <a:rPr lang="en-US" sz="2000" dirty="0" err="1" smtClean="0">
-                <a:latin typeface="Eras Light ITC" panose="020B0402030504020804" pitchFamily="34" charset="0"/>
-              </a:rPr>
-              <a:t>uitgebreid</a:t>
-            </a:r>
-            <a:r>
-              <a:rPr lang="en-US" sz="2000" dirty="0" smtClean="0">
-                <a:latin typeface="Eras Light ITC" panose="020B0402030504020804" pitchFamily="34" charset="0"/>
-              </a:rPr>
-              <a:t> </a:t>
-            </a:r>
-            <a:r>
-              <a:rPr lang="en-US" sz="2000" dirty="0" err="1" smtClean="0">
-                <a:latin typeface="Eras Light ITC" panose="020B0402030504020804" pitchFamily="34" charset="0"/>
-              </a:rPr>
-              <a:t>laten</a:t>
-            </a:r>
-            <a:r>
-              <a:rPr lang="en-US" sz="2000" dirty="0" smtClean="0">
-                <a:latin typeface="Eras Light ITC" panose="020B0402030504020804" pitchFamily="34" charset="0"/>
-              </a:rPr>
-              <a:t> </a:t>
-            </a:r>
-            <a:r>
-              <a:rPr lang="en-US" sz="2000" dirty="0" err="1" smtClean="0">
-                <a:latin typeface="Eras Light ITC" panose="020B0402030504020804" pitchFamily="34" charset="0"/>
-              </a:rPr>
-              <a:t>zien</a:t>
-            </a:r>
-            <a:r>
-              <a:rPr lang="en-US" sz="2000" dirty="0" smtClean="0">
-                <a:latin typeface="Eras Light ITC" panose="020B0402030504020804" pitchFamily="34" charset="0"/>
-              </a:rPr>
-              <a:t> </a:t>
-            </a:r>
-            <a:r>
-              <a:rPr lang="en-US" sz="2000" dirty="0" err="1" smtClean="0">
-                <a:latin typeface="Eras Light ITC" panose="020B0402030504020804" pitchFamily="34" charset="0"/>
-              </a:rPr>
-              <a:t>voor</a:t>
-            </a:r>
-            <a:r>
-              <a:rPr lang="en-US" sz="2000" dirty="0" smtClean="0">
-                <a:latin typeface="Eras Light ITC" panose="020B0402030504020804" pitchFamily="34" charset="0"/>
-              </a:rPr>
-              <a:t> </a:t>
-            </a:r>
-            <a:r>
-              <a:rPr lang="en-US" sz="2000" dirty="0" err="1" smtClean="0">
-                <a:latin typeface="Eras Light ITC" panose="020B0402030504020804" pitchFamily="34" charset="0"/>
-              </a:rPr>
-              <a:t>aankomende</a:t>
-            </a:r>
-            <a:r>
-              <a:rPr lang="en-US" sz="2000" dirty="0" smtClean="0">
-                <a:latin typeface="Eras Light ITC" panose="020B0402030504020804" pitchFamily="34" charset="0"/>
-              </a:rPr>
-              <a:t> </a:t>
-            </a:r>
-            <a:r>
-              <a:rPr lang="en-US" sz="2000" dirty="0" err="1" smtClean="0">
-                <a:latin typeface="Eras Light ITC" panose="020B0402030504020804" pitchFamily="34" charset="0"/>
-              </a:rPr>
-              <a:t>devfase</a:t>
-            </a:r>
-            <a:r>
-              <a:rPr lang="en-US" sz="2000" dirty="0" smtClean="0">
-                <a:latin typeface="Eras Light ITC" panose="020B0402030504020804" pitchFamily="34" charset="0"/>
-              </a:rPr>
-              <a:t> 2 </a:t>
-            </a:r>
-            <a:r>
-              <a:rPr lang="en-US" sz="2000" dirty="0" err="1" smtClean="0">
-                <a:latin typeface="Eras Light ITC" panose="020B0402030504020804" pitchFamily="34" charset="0"/>
-              </a:rPr>
-              <a:t>inclusief</a:t>
-            </a:r>
-            <a:r>
-              <a:rPr lang="en-US" sz="2000" dirty="0" smtClean="0">
-                <a:latin typeface="Eras Light ITC" panose="020B0402030504020804" pitchFamily="34" charset="0"/>
-              </a:rPr>
-              <a:t> </a:t>
-            </a:r>
-            <a:r>
-              <a:rPr lang="en-US" sz="2000" dirty="0" err="1" smtClean="0">
-                <a:latin typeface="Eras Light ITC" panose="020B0402030504020804" pitchFamily="34" charset="0"/>
-              </a:rPr>
-              <a:t>tijdsinschatting</a:t>
-            </a:r>
-            <a:r>
-              <a:rPr lang="en-US" sz="2000" dirty="0" smtClean="0">
-                <a:latin typeface="Eras Light ITC" panose="020B0402030504020804" pitchFamily="34" charset="0"/>
-              </a:rPr>
-              <a:t> </a:t>
-            </a:r>
-            <a:r>
-              <a:rPr lang="en-US" sz="2000" dirty="0" err="1" smtClean="0">
-                <a:latin typeface="Eras Light ITC" panose="020B0402030504020804" pitchFamily="34" charset="0"/>
-              </a:rPr>
-              <a:t>en</a:t>
-            </a:r>
-            <a:r>
-              <a:rPr lang="en-US" sz="2000" dirty="0" smtClean="0">
-                <a:latin typeface="Eras Light ITC" panose="020B0402030504020804" pitchFamily="34" charset="0"/>
-              </a:rPr>
-              <a:t> </a:t>
-            </a:r>
-            <a:r>
-              <a:rPr lang="en-US" sz="2000" dirty="0" err="1" smtClean="0">
-                <a:latin typeface="Eras Light ITC" panose="020B0402030504020804" pitchFamily="34" charset="0"/>
-              </a:rPr>
-              <a:t>taakverdeling</a:t>
-            </a:r>
-            <a:r>
-              <a:rPr lang="en-US" sz="2000" dirty="0" smtClean="0">
-                <a:latin typeface="Eras Light ITC" panose="020B0402030504020804" pitchFamily="34" charset="0"/>
-              </a:rPr>
-              <a:t>***</a:t>
-            </a:r>
-          </a:p>
-          <a:p>
-            <a:r>
-              <a:rPr lang="en-US" sz="2000" dirty="0" err="1" smtClean="0">
-                <a:latin typeface="Eras Light ITC" panose="020B0402030504020804" pitchFamily="34" charset="0"/>
-              </a:rPr>
-              <a:t>Uitleg</a:t>
-            </a:r>
-            <a:r>
-              <a:rPr lang="en-US" sz="2000" dirty="0" smtClean="0">
-                <a:latin typeface="Eras Light ITC" panose="020B0402030504020804" pitchFamily="34" charset="0"/>
-              </a:rPr>
-              <a:t> van </a:t>
-            </a:r>
-            <a:r>
-              <a:rPr lang="en-US" sz="2000" dirty="0" err="1" smtClean="0">
-                <a:latin typeface="Eras Light ITC" panose="020B0402030504020804" pitchFamily="34" charset="0"/>
-              </a:rPr>
-              <a:t>planningsmanager</a:t>
-            </a:r>
-            <a:r>
-              <a:rPr lang="en-US" sz="2000" dirty="0" smtClean="0">
-                <a:latin typeface="Eras Light ITC" panose="020B0402030504020804" pitchFamily="34" charset="0"/>
-              </a:rPr>
-              <a:t> wat </a:t>
-            </a:r>
-            <a:r>
-              <a:rPr lang="en-US" sz="2000" dirty="0" err="1" smtClean="0">
-                <a:latin typeface="Eras Light ITC" panose="020B0402030504020804" pitchFamily="34" charset="0"/>
-              </a:rPr>
-              <a:t>er</a:t>
-            </a:r>
-            <a:r>
-              <a:rPr lang="en-US" sz="2000" dirty="0" smtClean="0">
-                <a:latin typeface="Eras Light ITC" panose="020B0402030504020804" pitchFamily="34" charset="0"/>
-              </a:rPr>
-              <a:t> </a:t>
-            </a:r>
-            <a:r>
-              <a:rPr lang="en-US" sz="2000" dirty="0" err="1" smtClean="0">
-                <a:latin typeface="Eras Light ITC" panose="020B0402030504020804" pitchFamily="34" charset="0"/>
-              </a:rPr>
-              <a:t>goed</a:t>
-            </a:r>
-            <a:r>
-              <a:rPr lang="en-US" sz="2000" dirty="0" smtClean="0">
-                <a:latin typeface="Eras Light ITC" panose="020B0402030504020804" pitchFamily="34" charset="0"/>
-              </a:rPr>
-              <a:t>  </a:t>
-            </a:r>
-            <a:r>
-              <a:rPr lang="en-US" sz="2000" dirty="0" err="1" smtClean="0">
-                <a:latin typeface="Eras Light ITC" panose="020B0402030504020804" pitchFamily="34" charset="0"/>
-              </a:rPr>
-              <a:t>gaat</a:t>
-            </a:r>
-            <a:r>
-              <a:rPr lang="en-US" sz="2000" dirty="0" smtClean="0">
-                <a:latin typeface="Eras Light ITC" panose="020B0402030504020804" pitchFamily="34" charset="0"/>
-              </a:rPr>
-              <a:t> </a:t>
-            </a:r>
-            <a:r>
-              <a:rPr lang="en-US" sz="2000" dirty="0" err="1" smtClean="0">
-                <a:latin typeface="Eras Light ITC" panose="020B0402030504020804" pitchFamily="34" charset="0"/>
-              </a:rPr>
-              <a:t>en</a:t>
-            </a:r>
-            <a:r>
-              <a:rPr lang="en-US" sz="2000" dirty="0" smtClean="0">
-                <a:latin typeface="Eras Light ITC" panose="020B0402030504020804" pitchFamily="34" charset="0"/>
-              </a:rPr>
-              <a:t> wat </a:t>
-            </a:r>
-            <a:r>
-              <a:rPr lang="en-US" sz="2000" dirty="0" err="1" smtClean="0">
-                <a:latin typeface="Eras Light ITC" panose="020B0402030504020804" pitchFamily="34" charset="0"/>
-              </a:rPr>
-              <a:t>beter</a:t>
-            </a:r>
-            <a:r>
-              <a:rPr lang="en-US" sz="2000" dirty="0" smtClean="0">
-                <a:latin typeface="Eras Light ITC" panose="020B0402030504020804" pitchFamily="34" charset="0"/>
-              </a:rPr>
-              <a:t> </a:t>
-            </a:r>
-            <a:r>
-              <a:rPr lang="en-US" sz="2000" dirty="0" err="1" smtClean="0">
-                <a:latin typeface="Eras Light ITC" panose="020B0402030504020804" pitchFamily="34" charset="0"/>
-              </a:rPr>
-              <a:t>moet</a:t>
-            </a:r>
-            <a:endParaRPr lang="en-US" sz="2000" dirty="0">
-              <a:latin typeface="Eras Light ITC" panose="020B0402030504020804" pitchFamily="34" charset="0"/>
-            </a:endParaRPr>
-          </a:p>
-          <a:p>
-            <a:endParaRPr lang="en-US" sz="2000" dirty="0" smtClean="0">
-              <a:latin typeface="Eras Light ITC" panose="020B0402030504020804" pitchFamily="34" charset="0"/>
-            </a:endParaRPr>
-          </a:p>
-          <a:p>
-            <a:endParaRPr lang="en-US" sz="2000" dirty="0">
-              <a:latin typeface="Eras Light ITC" panose="020B0402030504020804" pitchFamily="34" charset="0"/>
-            </a:endParaRPr>
-          </a:p>
-          <a:p>
-            <a:endParaRPr lang="nl-NL" sz="2000" dirty="0" smtClean="0">
-              <a:latin typeface="Eras Light ITC" panose="020B0402030504020804" pitchFamily="34" charset="0"/>
-            </a:endParaRPr>
-          </a:p>
-        </p:txBody>
-      </p:sp>
-      <p:sp>
-        <p:nvSpPr>
-          <p:cNvPr id="5" name="Tijdelijke aanduiding voor inhoud 2"/>
-          <p:cNvSpPr txBox="1">
-            <a:spLocks/>
-          </p:cNvSpPr>
-          <p:nvPr/>
-        </p:nvSpPr>
-        <p:spPr>
-          <a:xfrm>
-            <a:off x="3876136" y="2065867"/>
-            <a:ext cx="7404395" cy="4367123"/>
+            <a:off x="3981361" y="1416228"/>
+            <a:ext cx="4557332" cy="3792293"/>
           </a:xfrm>
           <a:prstGeom prst="rect">
             <a:avLst/>
           </a:prstGeom>
+          <a:noFill/>
+          <a:extLst>
+            <a:ext uri="{909E8E84-426E-40DD-AFC4-6F175D3DCCD1}">
+              <a14:hiddenFill xmlns:a14="http://schemas.microsoft.com/office/drawing/2010/main">
+                <a:solidFill>
+                  <a:srgbClr val="FFFFFF"/>
+                </a:solidFill>
+              </a14:hiddenFill>
+            </a:ext>
+          </a:extLst>
         </p:spPr>
-        <p:txBody>
-          <a:bodyPr vert="horz" lIns="91440" tIns="45720" rIns="91440" bIns="45720" rtlCol="0" anchor="ctr">
-            <a:normAutofit/>
-          </a:bodyPr>
-          <a:lstStyle>
-            <a:lvl1pPr marL="285750" indent="-285750" algn="l" defTabSz="457200" rtl="0" eaLnBrk="1" latinLnBrk="0" hangingPunct="1">
-              <a:spcBef>
-                <a:spcPts val="0"/>
-              </a:spcBef>
-              <a:spcAft>
-                <a:spcPts val="1000"/>
-              </a:spcAft>
-              <a:buClr>
-                <a:schemeClr val="tx1"/>
-              </a:buClr>
-              <a:buSzPct val="100000"/>
-              <a:buFont typeface="Arial"/>
-              <a:buChar char="•"/>
-              <a:defRPr sz="1800" kern="1200" cap="none">
-                <a:solidFill>
-                  <a:schemeClr val="tx1"/>
-                </a:solidFill>
-                <a:effectLst/>
-                <a:latin typeface="+mn-lt"/>
-                <a:ea typeface="+mn-ea"/>
-                <a:cs typeface="+mn-cs"/>
-              </a:defRPr>
-            </a:lvl1pPr>
-            <a:lvl2pPr marL="742950" indent="-285750" algn="l" defTabSz="457200" rtl="0" eaLnBrk="1" latinLnBrk="0" hangingPunct="1">
-              <a:spcBef>
-                <a:spcPts val="0"/>
-              </a:spcBef>
-              <a:spcAft>
-                <a:spcPts val="1000"/>
-              </a:spcAft>
-              <a:buClr>
-                <a:schemeClr val="tx1"/>
-              </a:buClr>
-              <a:buSzPct val="100000"/>
-              <a:buFont typeface="Arial"/>
-              <a:buChar char="•"/>
-              <a:defRPr sz="1600" kern="1200" cap="none">
-                <a:solidFill>
-                  <a:schemeClr val="tx1"/>
-                </a:solidFill>
-                <a:effectLst/>
-                <a:latin typeface="+mn-lt"/>
-                <a:ea typeface="+mn-ea"/>
-                <a:cs typeface="+mn-cs"/>
-              </a:defRPr>
-            </a:lvl2pPr>
-            <a:lvl3pPr marL="1200150" indent="-285750" algn="l" defTabSz="457200" rtl="0" eaLnBrk="1" latinLnBrk="0" hangingPunct="1">
-              <a:spcBef>
-                <a:spcPts val="0"/>
-              </a:spcBef>
-              <a:spcAft>
-                <a:spcPts val="1000"/>
-              </a:spcAft>
-              <a:buClr>
-                <a:schemeClr val="tx1"/>
-              </a:buClr>
-              <a:buSzPct val="100000"/>
-              <a:buFont typeface="Arial"/>
-              <a:buChar char="•"/>
-              <a:defRPr sz="1400" kern="1200" cap="none">
-                <a:solidFill>
-                  <a:schemeClr val="tx1"/>
-                </a:solidFill>
-                <a:effectLst/>
-                <a:latin typeface="+mn-lt"/>
-                <a:ea typeface="+mn-ea"/>
-                <a:cs typeface="+mn-cs"/>
-              </a:defRPr>
-            </a:lvl3pPr>
-            <a:lvl4pPr marL="1543050" indent="-171450" algn="l" defTabSz="457200" rtl="0" eaLnBrk="1" latinLnBrk="0" hangingPunct="1">
-              <a:spcBef>
-                <a:spcPts val="0"/>
-              </a:spcBef>
-              <a:spcAft>
-                <a:spcPts val="1000"/>
-              </a:spcAft>
-              <a:buClr>
-                <a:schemeClr val="tx1"/>
-              </a:buClr>
-              <a:buSzPct val="100000"/>
-              <a:buFont typeface="Arial"/>
-              <a:buChar char="•"/>
-              <a:defRPr sz="1200" kern="1200" cap="none">
-                <a:solidFill>
-                  <a:schemeClr val="tx1"/>
-                </a:solidFill>
-                <a:effectLst/>
-                <a:latin typeface="+mn-lt"/>
-                <a:ea typeface="+mn-ea"/>
-                <a:cs typeface="+mn-cs"/>
-              </a:defRPr>
-            </a:lvl4pPr>
-            <a:lvl5pPr marL="2000250" indent="-171450" algn="l" defTabSz="457200" rtl="0" eaLnBrk="1" latinLnBrk="0" hangingPunct="1">
-              <a:spcBef>
-                <a:spcPts val="0"/>
-              </a:spcBef>
-              <a:spcAft>
-                <a:spcPts val="1000"/>
-              </a:spcAft>
-              <a:buClr>
-                <a:schemeClr val="tx1"/>
-              </a:buClr>
-              <a:buSzPct val="100000"/>
-              <a:buFont typeface="Arial"/>
-              <a:buChar char="•"/>
-              <a:defRPr sz="1200" kern="1200" cap="none">
-                <a:solidFill>
-                  <a:schemeClr val="tx1"/>
-                </a:solidFill>
-                <a:effectLst/>
-                <a:latin typeface="+mn-lt"/>
-                <a:ea typeface="+mn-ea"/>
-                <a:cs typeface="+mn-cs"/>
-              </a:defRPr>
-            </a:lvl5pPr>
-            <a:lvl6pPr marL="2514600" indent="-228600" algn="l" defTabSz="457200" rtl="0" eaLnBrk="1" latinLnBrk="0" hangingPunct="1">
-              <a:spcBef>
-                <a:spcPts val="0"/>
-              </a:spcBef>
-              <a:spcAft>
-                <a:spcPts val="1000"/>
-              </a:spcAft>
-              <a:buClr>
-                <a:schemeClr val="tx1"/>
-              </a:buClr>
-              <a:buSzPct val="100000"/>
-              <a:buFont typeface="Arial"/>
-              <a:buChar char="•"/>
-              <a:defRPr sz="1200" kern="1200" cap="none">
-                <a:solidFill>
-                  <a:schemeClr val="tx1"/>
-                </a:solidFill>
-                <a:effectLst/>
-                <a:latin typeface="+mn-lt"/>
-                <a:ea typeface="+mn-ea"/>
-                <a:cs typeface="+mn-cs"/>
-              </a:defRPr>
-            </a:lvl6pPr>
-            <a:lvl7pPr marL="2971800" indent="-228600" algn="l" defTabSz="457200" rtl="0" eaLnBrk="1" latinLnBrk="0" hangingPunct="1">
-              <a:spcBef>
-                <a:spcPts val="0"/>
-              </a:spcBef>
-              <a:spcAft>
-                <a:spcPts val="1000"/>
-              </a:spcAft>
-              <a:buClr>
-                <a:schemeClr val="tx1"/>
-              </a:buClr>
-              <a:buSzPct val="100000"/>
-              <a:buFont typeface="Arial"/>
-              <a:buChar char="•"/>
-              <a:defRPr sz="1200" kern="1200" cap="none">
-                <a:solidFill>
-                  <a:schemeClr val="tx1"/>
-                </a:solidFill>
-                <a:effectLst/>
-                <a:latin typeface="+mn-lt"/>
-                <a:ea typeface="+mn-ea"/>
-                <a:cs typeface="+mn-cs"/>
-              </a:defRPr>
-            </a:lvl7pPr>
-            <a:lvl8pPr marL="3429000" indent="-228600" algn="l" defTabSz="457200" rtl="0" eaLnBrk="1" latinLnBrk="0" hangingPunct="1">
-              <a:spcBef>
-                <a:spcPts val="0"/>
-              </a:spcBef>
-              <a:spcAft>
-                <a:spcPts val="1000"/>
-              </a:spcAft>
-              <a:buClr>
-                <a:schemeClr val="tx1"/>
-              </a:buClr>
-              <a:buSzPct val="100000"/>
-              <a:buFont typeface="Arial"/>
-              <a:buChar char="•"/>
-              <a:defRPr sz="1200" kern="1200" cap="none">
-                <a:solidFill>
-                  <a:schemeClr val="tx1"/>
-                </a:solidFill>
-                <a:effectLst/>
-                <a:latin typeface="+mn-lt"/>
-                <a:ea typeface="+mn-ea"/>
-                <a:cs typeface="+mn-cs"/>
-              </a:defRPr>
-            </a:lvl8pPr>
-            <a:lvl9pPr marL="3886200" indent="-228600" algn="l" defTabSz="457200" rtl="0" eaLnBrk="1" latinLnBrk="0" hangingPunct="1">
-              <a:spcBef>
-                <a:spcPts val="0"/>
-              </a:spcBef>
-              <a:spcAft>
-                <a:spcPts val="1000"/>
-              </a:spcAft>
-              <a:buClr>
-                <a:schemeClr val="tx1"/>
-              </a:buClr>
-              <a:buSzPct val="100000"/>
-              <a:buFont typeface="Arial"/>
-              <a:buChar char="•"/>
-              <a:defRPr sz="1200" kern="1200" cap="none">
-                <a:solidFill>
-                  <a:schemeClr val="tx1"/>
-                </a:solidFill>
-                <a:effectLst/>
-                <a:latin typeface="+mn-lt"/>
-                <a:ea typeface="+mn-ea"/>
-                <a:cs typeface="+mn-cs"/>
-              </a:defRPr>
-            </a:lvl9pPr>
-          </a:lstStyle>
-          <a:p>
-            <a:endParaRPr lang="nl-NL" sz="2000" dirty="0" smtClean="0">
-              <a:latin typeface="Eras Light ITC" panose="020B0402030504020804" pitchFamily="34" charset="0"/>
-            </a:endParaRPr>
-          </a:p>
-          <a:p>
-            <a:endParaRPr lang="nl-NL" sz="2000" dirty="0">
-              <a:latin typeface="Eras Light ITC" panose="020B0402030504020804" pitchFamily="34" charset="0"/>
-            </a:endParaRPr>
-          </a:p>
-          <a:p>
-            <a:endParaRPr lang="nl-NL" sz="2000" dirty="0" smtClean="0">
-              <a:latin typeface="Eras Light ITC" panose="020B0402030504020804" pitchFamily="34" charset="0"/>
-            </a:endParaRPr>
-          </a:p>
-          <a:p>
-            <a:endParaRPr lang="nl-NL" sz="2000" dirty="0">
-              <a:latin typeface="Eras Light ITC" panose="020B0402030504020804" pitchFamily="34" charset="0"/>
-            </a:endParaRPr>
-          </a:p>
-          <a:p>
-            <a:endParaRPr lang="nl-NL" sz="2000" dirty="0" smtClean="0">
-              <a:latin typeface="Eras Light ITC" panose="020B0402030504020804" pitchFamily="34" charset="0"/>
-            </a:endParaRPr>
-          </a:p>
-        </p:txBody>
-      </p:sp>
+      </p:pic>
+      <p:pic>
+        <p:nvPicPr>
+          <p:cNvPr id="3075" name="Picture 3" descr="C:\Users\Defame\Desktop\Presentatie gamelab 2 pics\CargoBox.png"/>
+          <p:cNvPicPr>
+            <a:picLocks noChangeAspect="1" noChangeArrowheads="1"/>
+          </p:cNvPicPr>
+          <p:nvPr/>
+        </p:nvPicPr>
+        <p:blipFill>
+          <a:blip r:embed="rId3">
+            <a:extLst>
+              <a:ext uri="{28A0092B-C50C-407E-A947-70E740481C1C}">
+                <a14:useLocalDpi xmlns:a14="http://schemas.microsoft.com/office/drawing/2010/main" val="0"/>
+              </a:ext>
+            </a:extLst>
+          </a:blip>
+          <a:srcRect/>
+          <a:stretch>
+            <a:fillRect/>
+          </a:stretch>
+        </p:blipFill>
+        <p:spPr bwMode="auto">
+          <a:xfrm>
+            <a:off x="854075" y="759404"/>
+            <a:ext cx="2398161" cy="2284235"/>
+          </a:xfrm>
+          <a:prstGeom prst="rect">
+            <a:avLst/>
+          </a:prstGeom>
+          <a:noFill/>
+          <a:extLst>
+            <a:ext uri="{909E8E84-426E-40DD-AFC4-6F175D3DCCD1}">
+              <a14:hiddenFill xmlns:a14="http://schemas.microsoft.com/office/drawing/2010/main">
+                <a:solidFill>
+                  <a:srgbClr val="FFFFFF"/>
+                </a:solidFill>
+              </a14:hiddenFill>
+            </a:ext>
+          </a:extLst>
+        </p:spPr>
+      </p:pic>
+      <p:pic>
+        <p:nvPicPr>
+          <p:cNvPr id="3076" name="Picture 4" descr="C:\Users\Defame\Desktop\Presentatie gamelab 2 pics\Chair.png"/>
+          <p:cNvPicPr>
+            <a:picLocks noChangeAspect="1" noChangeArrowheads="1"/>
+          </p:cNvPicPr>
+          <p:nvPr/>
+        </p:nvPicPr>
+        <p:blipFill>
+          <a:blip r:embed="rId4">
+            <a:extLst>
+              <a:ext uri="{28A0092B-C50C-407E-A947-70E740481C1C}">
+                <a14:useLocalDpi xmlns:a14="http://schemas.microsoft.com/office/drawing/2010/main" val="0"/>
+              </a:ext>
+            </a:extLst>
+          </a:blip>
+          <a:srcRect/>
+          <a:stretch>
+            <a:fillRect/>
+          </a:stretch>
+        </p:blipFill>
+        <p:spPr bwMode="auto">
+          <a:xfrm>
+            <a:off x="854075" y="3593205"/>
+            <a:ext cx="2247689" cy="2808020"/>
+          </a:xfrm>
+          <a:prstGeom prst="rect">
+            <a:avLst/>
+          </a:prstGeom>
+          <a:noFill/>
+          <a:extLst>
+            <a:ext uri="{909E8E84-426E-40DD-AFC4-6F175D3DCCD1}">
+              <a14:hiddenFill xmlns:a14="http://schemas.microsoft.com/office/drawing/2010/main">
+                <a:solidFill>
+                  <a:srgbClr val="FFFFFF"/>
+                </a:solidFill>
+              </a14:hiddenFill>
+            </a:ext>
+          </a:extLst>
+        </p:spPr>
+      </p:pic>
+      <p:pic>
+        <p:nvPicPr>
+          <p:cNvPr id="3077" name="Picture 5" descr="C:\Users\Defame\Desktop\Presentatie gamelab 2 pics\HoloConsole.png"/>
+          <p:cNvPicPr>
+            <a:picLocks noChangeAspect="1" noChangeArrowheads="1"/>
+          </p:cNvPicPr>
+          <p:nvPr/>
+        </p:nvPicPr>
+        <p:blipFill>
+          <a:blip r:embed="rId5">
+            <a:extLst>
+              <a:ext uri="{28A0092B-C50C-407E-A947-70E740481C1C}">
+                <a14:useLocalDpi xmlns:a14="http://schemas.microsoft.com/office/drawing/2010/main" val="0"/>
+              </a:ext>
+            </a:extLst>
+          </a:blip>
+          <a:srcRect/>
+          <a:stretch>
+            <a:fillRect/>
+          </a:stretch>
+        </p:blipFill>
+        <p:spPr bwMode="auto">
+          <a:xfrm>
+            <a:off x="8981161" y="759404"/>
+            <a:ext cx="2981262" cy="2389476"/>
+          </a:xfrm>
+          <a:prstGeom prst="rect">
+            <a:avLst/>
+          </a:prstGeom>
+          <a:noFill/>
+          <a:extLst>
+            <a:ext uri="{909E8E84-426E-40DD-AFC4-6F175D3DCCD1}">
+              <a14:hiddenFill xmlns:a14="http://schemas.microsoft.com/office/drawing/2010/main">
+                <a:solidFill>
+                  <a:srgbClr val="FFFFFF"/>
+                </a:solidFill>
+              </a14:hiddenFill>
+            </a:ext>
+          </a:extLst>
+        </p:spPr>
+      </p:pic>
+      <p:pic>
+        <p:nvPicPr>
+          <p:cNvPr id="3078" name="Picture 6" descr="C:\Users\Defame\Desktop\Presentatie gamelab 2 pics\Table.png"/>
+          <p:cNvPicPr>
+            <a:picLocks noChangeAspect="1" noChangeArrowheads="1"/>
+          </p:cNvPicPr>
+          <p:nvPr/>
+        </p:nvPicPr>
+        <p:blipFill>
+          <a:blip r:embed="rId6">
+            <a:extLst>
+              <a:ext uri="{28A0092B-C50C-407E-A947-70E740481C1C}">
+                <a14:useLocalDpi xmlns:a14="http://schemas.microsoft.com/office/drawing/2010/main" val="0"/>
+              </a:ext>
+            </a:extLst>
+          </a:blip>
+          <a:srcRect/>
+          <a:stretch>
+            <a:fillRect/>
+          </a:stretch>
+        </p:blipFill>
+        <p:spPr bwMode="auto">
+          <a:xfrm>
+            <a:off x="9298852" y="4713912"/>
+            <a:ext cx="2345879" cy="1687311"/>
+          </a:xfrm>
+          <a:prstGeom prst="rect">
+            <a:avLst/>
+          </a:prstGeom>
+          <a:noFill/>
+          <a:extLst>
+            <a:ext uri="{909E8E84-426E-40DD-AFC4-6F175D3DCCD1}">
+              <a14:hiddenFill xmlns:a14="http://schemas.microsoft.com/office/drawing/2010/main">
+                <a:solidFill>
+                  <a:srgbClr val="FFFFFF"/>
+                </a:solidFill>
+              </a14:hiddenFill>
+            </a:ext>
+          </a:extLst>
+        </p:spPr>
+      </p:pic>
     </p:spTree>
     <p:extLst>
       <p:ext uri="{BB962C8B-B14F-4D97-AF65-F5344CB8AC3E}">
-        <p14:creationId xmlns:p14="http://schemas.microsoft.com/office/powerpoint/2010/main" val="908727159"/>
+        <p14:creationId xmlns:p14="http://schemas.microsoft.com/office/powerpoint/2010/main" val="1392227661"/>
       </p:ext>
     </p:extLst>
   </p:cSld>
   <p:clrMapOvr>
     <a:masterClrMapping/>
   </p:clrMapOvr>
-  <p:timing>
-    <p:tnLst>
-      <p:par>
-        <p:cTn id="1" dur="indefinite" restart="never" nodeType="tmRoot"/>
-      </p:par>
-    </p:tnLst>
-  </p:timing>
 </p:sld>
 </file>
 
@@ -10549,13 +11149,25 @@
               <a:rPr lang="nl-NL" sz="6600" dirty="0" smtClean="0">
                 <a:latin typeface="Eras Light ITC" panose="020B0402030504020804" pitchFamily="34" charset="0"/>
               </a:rPr>
-              <a:t>UX(</a:t>
+              <a:t>Zone(</a:t>
             </a:r>
             <a:r>
               <a:rPr lang="nl-NL" sz="6600" dirty="0" err="1" smtClean="0">
                 <a:latin typeface="Eras Light ITC" panose="020B0402030504020804" pitchFamily="34" charset="0"/>
               </a:rPr>
-              <a:t>kevin</a:t>
+              <a:t>ruben</a:t>
+            </a:r>
+            <a:r>
+              <a:rPr lang="nl-NL" sz="6600" dirty="0" smtClean="0">
+                <a:latin typeface="Eras Light ITC" panose="020B0402030504020804" pitchFamily="34" charset="0"/>
+              </a:rPr>
+              <a:t>/</a:t>
+            </a:r>
+            <a:r>
+              <a:rPr lang="nl-NL" sz="6600" dirty="0" err="1" smtClean="0">
+                <a:latin typeface="Eras Light ITC" panose="020B0402030504020804" pitchFamily="34" charset="0"/>
+              </a:rPr>
+              <a:t>lara</a:t>
             </a:r>
             <a:r>
               <a:rPr lang="nl-NL" sz="6600" dirty="0" smtClean="0">
@@ -10595,19 +11207,48 @@
               <a:rPr lang="en-US" sz="2000" dirty="0" err="1" smtClean="0">
                 <a:latin typeface="Eras Light ITC" panose="020B0402030504020804" pitchFamily="34" charset="0"/>
               </a:rPr>
-              <a:t>Voorbeelden</a:t>
+              <a:t>Showen</a:t>
             </a:r>
             <a:r>
               <a:rPr lang="en-US" sz="2000" dirty="0" smtClean="0">
                 <a:latin typeface="Eras Light ITC" panose="020B0402030504020804" pitchFamily="34" charset="0"/>
               </a:rPr>
+              <a:t> map van de </a:t>
+            </a:r>
+            <a:r>
+              <a:rPr lang="en-US" sz="2000" dirty="0" err="1" smtClean="0">
+                <a:latin typeface="Eras Light ITC" panose="020B0402030504020804" pitchFamily="34" charset="0"/>
+              </a:rPr>
+              <a:t>conceptfase</a:t>
+            </a:r>
+            <a:endParaRPr lang="en-US" sz="2000" dirty="0" smtClean="0">
+              <a:latin typeface="Eras Light ITC" panose="020B0402030504020804" pitchFamily="34" charset="0"/>
+            </a:endParaRPr>
+          </a:p>
+          <a:p>
+            <a:r>
+              <a:rPr lang="en-US" sz="2000" dirty="0" smtClean="0">
+                <a:latin typeface="Eras Light ITC" panose="020B0402030504020804" pitchFamily="34" charset="0"/>
+              </a:rPr>
+              <a:t>De game in </a:t>
+            </a:r>
+            <a:r>
+              <a:rPr lang="en-US" sz="2000" dirty="0" err="1" smtClean="0">
+                <a:latin typeface="Eras Light ITC" panose="020B0402030504020804" pitchFamily="34" charset="0"/>
+              </a:rPr>
+              <a:t>huidige</a:t>
+            </a:r>
+            <a:r>
+              <a:rPr lang="en-US" sz="2000" dirty="0" smtClean="0">
+                <a:latin typeface="Eras Light ITC" panose="020B0402030504020804" pitchFamily="34" charset="0"/>
+              </a:rPr>
               <a:t> </a:t>
             </a:r>
             <a:r>
               <a:rPr lang="en-US" sz="2000" dirty="0" err="1" smtClean="0">
                 <a:latin typeface="Eras Light ITC" panose="020B0402030504020804" pitchFamily="34" charset="0"/>
               </a:rPr>
-              <a:t>laten</a:t>
+              <a:t>staat</a:t>
             </a:r>
             <a:r>
               <a:rPr lang="en-US" sz="2000" dirty="0" smtClean="0">
@@ -10619,13 +11260,13 @@
               <a:rPr lang="en-US" sz="2000" dirty="0" err="1" smtClean="0">
                 <a:latin typeface="Eras Light ITC" panose="020B0402030504020804" pitchFamily="34" charset="0"/>
               </a:rPr>
-              <a:t>zien</a:t>
+              <a:t>showen</a:t>
             </a:r>
             <a:r>
               <a:rPr lang="en-US" sz="2000" dirty="0" smtClean="0">
                 <a:latin typeface="Eras Light ITC" panose="020B0402030504020804" pitchFamily="34" charset="0"/>
               </a:rPr>
-              <a:t> van fun-to-play element</a:t>
+              <a:t> (Walk through)***</a:t>
             </a:r>
           </a:p>
           <a:p>
@@ -10633,73 +11274,49 @@
               <a:rPr lang="en-US" sz="2000" dirty="0" err="1" smtClean="0">
                 <a:latin typeface="Eras Light ITC" panose="020B0402030504020804" pitchFamily="34" charset="0"/>
               </a:rPr>
-              <a:t>Interactie</a:t>
+              <a:t>Uitleg</a:t>
             </a:r>
             <a:r>
               <a:rPr lang="en-US" sz="2000" dirty="0" smtClean="0">
                 <a:latin typeface="Eras Light ITC" panose="020B0402030504020804" pitchFamily="34" charset="0"/>
               </a:rPr>
-              <a:t> met de speller </a:t>
+              <a:t> </a:t>
             </a:r>
             <a:r>
               <a:rPr lang="en-US" sz="2000" dirty="0" err="1" smtClean="0">
                 <a:latin typeface="Eras Light ITC" panose="020B0402030504020804" pitchFamily="34" charset="0"/>
               </a:rPr>
-              <a:t>laten</a:t>
+              <a:t>Grayboxes</a:t>
             </a:r>
             <a:r>
               <a:rPr lang="en-US" sz="2000" dirty="0" smtClean="0">
                 <a:latin typeface="Eras Light ITC" panose="020B0402030504020804" pitchFamily="34" charset="0"/>
               </a:rPr>
+              <a:t> (wat </a:t>
+            </a:r>
+            <a:r>
+              <a:rPr lang="en-US" sz="2000" dirty="0" err="1" smtClean="0">
+                <a:latin typeface="Eras Light ITC" panose="020B0402030504020804" pitchFamily="34" charset="0"/>
+              </a:rPr>
+              <a:t>komt</a:t>
+            </a:r>
+            <a:r>
+              <a:rPr lang="en-US" sz="2000" dirty="0" smtClean="0">
+                <a:latin typeface="Eras Light ITC" panose="020B0402030504020804" pitchFamily="34" charset="0"/>
+              </a:rPr>
               <a:t> </a:t>
             </a:r>
             <a:r>
               <a:rPr lang="en-US" sz="2000" dirty="0" err="1" smtClean="0">
                 <a:latin typeface="Eras Light ITC" panose="020B0402030504020804" pitchFamily="34" charset="0"/>
               </a:rPr>
-              <a:t>zien</a:t>
+              <a:t>waar</a:t>
             </a:r>
             <a:r>
               <a:rPr lang="en-US" sz="2000" dirty="0" smtClean="0">
                 <a:latin typeface="Eras Light ITC" panose="020B0402030504020804" pitchFamily="34" charset="0"/>
               </a:rPr>
-              <a:t>: HUD/Popups/Tutorial etc. </a:t>
-            </a:r>
-            <a:r>
-              <a:rPr lang="en-US" sz="2000" dirty="0" err="1" smtClean="0">
-                <a:latin typeface="Eras Light ITC" panose="020B0402030504020804" pitchFamily="34" charset="0"/>
-              </a:rPr>
-              <a:t>Ingame</a:t>
-            </a:r>
-            <a:r>
-              <a:rPr lang="en-US" sz="2000" dirty="0" smtClean="0">
-                <a:latin typeface="Eras Light ITC" panose="020B0402030504020804" pitchFamily="34" charset="0"/>
-              </a:rPr>
-              <a:t> of in </a:t>
-            </a:r>
-            <a:r>
-              <a:rPr lang="en-US" sz="2000" dirty="0" err="1" smtClean="0">
-                <a:latin typeface="Eras Light ITC" panose="020B0402030504020804" pitchFamily="34" charset="0"/>
-              </a:rPr>
-              <a:t>diagrammen</a:t>
-            </a:r>
-            <a:r>
-              <a:rPr lang="en-US" sz="2000" dirty="0" smtClean="0">
-                <a:latin typeface="Eras Light ITC" panose="020B0402030504020804" pitchFamily="34" charset="0"/>
-              </a:rPr>
-              <a:t>/</a:t>
-            </a:r>
-            <a:r>
-              <a:rPr lang="en-US" sz="2000" dirty="0" err="1" smtClean="0">
-                <a:latin typeface="Eras Light ITC" panose="020B0402030504020804" pitchFamily="34" charset="0"/>
-              </a:rPr>
-              <a:t>schetsen</a:t>
-            </a:r>
-            <a:r>
-              <a:rPr lang="en-US" sz="2000" dirty="0" smtClean="0">
-                <a:latin typeface="Eras Light ITC" panose="020B0402030504020804" pitchFamily="34" charset="0"/>
-              </a:rPr>
-              <a:t>***</a:t>
+              <a:t>)</a:t>
             </a:r>
             <a:endParaRPr lang="en-US" sz="2000" dirty="0">
               <a:latin typeface="Eras Light ITC" panose="020B0402030504020804" pitchFamily="34" charset="0"/>
@@ -10982,7 +11599,7 @@
     </p:spTree>
     <p:extLst>
       <p:ext uri="{BB962C8B-B14F-4D97-AF65-F5344CB8AC3E}">
-        <p14:creationId xmlns:p14="http://schemas.microsoft.com/office/powerpoint/2010/main" val="3969016415"/>
+        <p14:creationId xmlns:p14="http://schemas.microsoft.com/office/powerpoint/2010/main" val="1562790998"/>
       </p:ext>
     </p:extLst>
   </p:cSld>
@@ -11042,7 +11659,7 @@
     </a:clrScheme>
     <a:fontScheme name="Hemels">
       <a:majorFont>
-        <a:latin typeface="Calibri Light" panose="020F0302020204030204"/>
+        <a:latin typeface="Calibri Light"/>
         <a:ea typeface=""/>
         <a:cs typeface=""/>
         <a:font script="Jpan" typeface="ＭＳ Ｐゴシック"/>
@@ -11077,7 +11694,7 @@
         <a:font script="Geor" typeface="Sylfaen"/>
       </a:majorFont>
       <a:minorFont>
-        <a:latin typeface="Calibri" panose="020F0502020204030204"/>
+        <a:latin typeface="Calibri"/>
         <a:ea typeface=""/>
         <a:cs typeface=""/>
         <a:font script="Jpan" typeface="ＭＳ Ｐゴシック"/>
@@ -11242,7 +11859,7 @@
   <a:extraClrSchemeLst/>
   <a:extLst>
     <a:ext uri="{05A4C25C-085E-4340-85A3-A5531E510DB2}">
-      <thm15:themeFamily xmlns:thm15="http://schemas.microsoft.com/office/thememl/2012/main" name="Celestial" id="{C4BB2A3D-0E93-4C5F-B0D2-9D3FCE089CC5}" vid="{42E5908D-19A2-46FD-89FA-638B126129EF}"/>
+      <thm15:themeFamily xmlns:thm15="http://schemas.microsoft.com/office/thememl/2012/main" xmlns="" name="Celestial" id="{C4BB2A3D-0E93-4C5F-B0D2-9D3FCE089CC5}" vid="{42E5908D-19A2-46FD-89FA-638B126129EF}"/>
     </a:ext>
   </a:extLst>
 </a:theme>
